--- a/docs/diagrams/BrightnessCommandSequenceDiagram.pptx
+++ b/docs/diagrams/BrightnessCommandSequenceDiagram.pptx
@@ -5,7 +5,7 @@
     <p:sldMasterId id="2147483648" r:id="rId1"/>
   </p:sldMasterIdLst>
   <p:sldIdLst>
-    <p:sldId id="256" r:id="rId2"/>
+    <p:sldId id="268" r:id="rId2"/>
   </p:sldIdLst>
   <p:sldSz cx="12192000" cy="6858000"/>
   <p:notesSz cx="6858000" cy="9144000"/>
@@ -3323,58 +3323,2680 @@
       </p:grpSpPr>
       <p:sp>
         <p:nvSpPr>
-          <p:cNvPr id="2" name="Title 1">
-            <a:extLst>
-              <a:ext uri="{FF2B5EF4-FFF2-40B4-BE49-F238E27FC236}">
-                <a16:creationId xmlns:a16="http://schemas.microsoft.com/office/drawing/2014/main" id="{420B70EB-4927-6E4D-98A6-9CE2C7D04091}"/>
-              </a:ext>
-            </a:extLst>
-          </p:cNvPr>
-          <p:cNvSpPr>
-            <a:spLocks noGrp="1"/>
-          </p:cNvSpPr>
-          <p:nvPr>
-            <p:ph type="ctrTitle"/>
-          </p:nvPr>
-        </p:nvSpPr>
-        <p:spPr/>
-        <p:txBody>
-          <a:bodyPr/>
-          <a:lstStyle/>
-          <a:p>
-            <a:endParaRPr lang="en-US"/>
-          </a:p>
-        </p:txBody>
-      </p:sp>
-      <p:sp>
-        <p:nvSpPr>
-          <p:cNvPr id="3" name="Subtitle 2">
-            <a:extLst>
-              <a:ext uri="{FF2B5EF4-FFF2-40B4-BE49-F238E27FC236}">
-                <a16:creationId xmlns:a16="http://schemas.microsoft.com/office/drawing/2014/main" id="{D6463A35-B1B9-784A-BED0-0EFB6FD520FE}"/>
-              </a:ext>
-            </a:extLst>
-          </p:cNvPr>
-          <p:cNvSpPr>
-            <a:spLocks noGrp="1"/>
-          </p:cNvSpPr>
-          <p:nvPr>
-            <p:ph type="subTitle" idx="1"/>
-          </p:nvPr>
-        </p:nvSpPr>
-        <p:spPr/>
-        <p:txBody>
-          <a:bodyPr/>
-          <a:lstStyle/>
-          <a:p>
-            <a:endParaRPr lang="en-US"/>
+          <p:cNvPr id="56" name="Rectangle 65"/>
+          <p:cNvSpPr/>
+          <p:nvPr/>
+        </p:nvSpPr>
+        <p:spPr>
+          <a:xfrm>
+            <a:off x="7252886" y="846657"/>
+            <a:ext cx="3465272" cy="5247181"/>
+          </a:xfrm>
+          <a:prstGeom prst="roundRect">
+            <a:avLst>
+              <a:gd name="adj" fmla="val 3484"/>
+            </a:avLst>
+          </a:prstGeom>
+          <a:solidFill>
+            <a:schemeClr val="accent4">
+              <a:lumMod val="20000"/>
+              <a:lumOff val="80000"/>
+            </a:schemeClr>
+          </a:solidFill>
+          <a:ln w="19050">
+            <a:noFill/>
+          </a:ln>
+          <a:effectLst/>
+        </p:spPr>
+        <p:style>
+          <a:lnRef idx="1">
+            <a:schemeClr val="accent2"/>
+          </a:lnRef>
+          <a:fillRef idx="2">
+            <a:schemeClr val="accent2"/>
+          </a:fillRef>
+          <a:effectRef idx="1">
+            <a:schemeClr val="accent2"/>
+          </a:effectRef>
+          <a:fontRef idx="minor">
+            <a:schemeClr val="dk1"/>
+          </a:fontRef>
+        </p:style>
+        <p:txBody>
+          <a:bodyPr rtlCol="0" anchor="t"/>
+          <a:lstStyle/>
+          <a:p>
+            <a:r>
+              <a:rPr lang="en-US" sz="1200" b="1" dirty="0" err="1">
+                <a:solidFill>
+                  <a:srgbClr val="7030A0"/>
+                </a:solidFill>
+              </a:rPr>
+              <a:t>CurrentEdit</a:t>
+            </a:r>
+            <a:endParaRPr lang="en-SG" sz="1200" b="1" dirty="0">
+              <a:solidFill>
+                <a:srgbClr val="7030A0"/>
+              </a:solidFill>
+            </a:endParaRPr>
+          </a:p>
+        </p:txBody>
+      </p:sp>
+      <p:sp>
+        <p:nvSpPr>
+          <p:cNvPr id="81" name="Rectangle 65"/>
+          <p:cNvSpPr/>
+          <p:nvPr/>
+        </p:nvSpPr>
+        <p:spPr>
+          <a:xfrm>
+            <a:off x="1417389" y="872698"/>
+            <a:ext cx="5863964" cy="5247182"/>
+          </a:xfrm>
+          <a:prstGeom prst="roundRect">
+            <a:avLst>
+              <a:gd name="adj" fmla="val 3484"/>
+            </a:avLst>
+          </a:prstGeom>
+          <a:solidFill>
+            <a:schemeClr val="accent1">
+              <a:lumMod val="20000"/>
+              <a:lumOff val="80000"/>
+            </a:schemeClr>
+          </a:solidFill>
+          <a:ln w="19050">
+            <a:noFill/>
+          </a:ln>
+          <a:effectLst/>
+        </p:spPr>
+        <p:style>
+          <a:lnRef idx="1">
+            <a:schemeClr val="accent2"/>
+          </a:lnRef>
+          <a:fillRef idx="2">
+            <a:schemeClr val="accent2"/>
+          </a:fillRef>
+          <a:effectRef idx="1">
+            <a:schemeClr val="accent2"/>
+          </a:effectRef>
+          <a:fontRef idx="minor">
+            <a:schemeClr val="dk1"/>
+          </a:fontRef>
+        </p:style>
+        <p:txBody>
+          <a:bodyPr rtlCol="0" anchor="t"/>
+          <a:lstStyle/>
+          <a:p>
+            <a:r>
+              <a:rPr lang="en-US" sz="1200" b="1" dirty="0">
+                <a:solidFill>
+                  <a:srgbClr val="0070C0"/>
+                </a:solidFill>
+              </a:rPr>
+              <a:t>Logic</a:t>
+            </a:r>
+            <a:endParaRPr lang="en-SG" sz="1200" b="1" dirty="0">
+              <a:solidFill>
+                <a:srgbClr val="0070C0"/>
+              </a:solidFill>
+            </a:endParaRPr>
+          </a:p>
+        </p:txBody>
+      </p:sp>
+      <p:sp>
+        <p:nvSpPr>
+          <p:cNvPr id="2" name="Rectangle 62"/>
+          <p:cNvSpPr/>
+          <p:nvPr/>
+        </p:nvSpPr>
+        <p:spPr>
+          <a:xfrm>
+            <a:off x="1926540" y="923582"/>
+            <a:ext cx="1455629" cy="346760"/>
+          </a:xfrm>
+          <a:prstGeom prst="rect">
+            <a:avLst/>
+          </a:prstGeom>
+          <a:solidFill>
+            <a:srgbClr val="0070C0"/>
+          </a:solidFill>
+          <a:ln w="19050">
+            <a:solidFill>
+              <a:srgbClr val="0070C0"/>
+            </a:solidFill>
+          </a:ln>
+          <a:effectLst/>
+        </p:spPr>
+        <p:style>
+          <a:lnRef idx="1">
+            <a:schemeClr val="accent2"/>
+          </a:lnRef>
+          <a:fillRef idx="2">
+            <a:schemeClr val="accent2"/>
+          </a:fillRef>
+          <a:effectRef idx="1">
+            <a:schemeClr val="accent2"/>
+          </a:effectRef>
+          <a:fontRef idx="minor">
+            <a:schemeClr val="dk1"/>
+          </a:fontRef>
+        </p:style>
+        <p:txBody>
+          <a:bodyPr rtlCol="0" anchor="ctr"/>
+          <a:lstStyle/>
+          <a:p>
+            <a:pPr algn="ctr"/>
+            <a:r>
+              <a:rPr lang="en-US" sz="1600" dirty="0">
+                <a:solidFill>
+                  <a:schemeClr val="bg1"/>
+                </a:solidFill>
+              </a:rPr>
+              <a:t>:</a:t>
+            </a:r>
+            <a:r>
+              <a:rPr lang="en-US" sz="1600" dirty="0" err="1">
+                <a:solidFill>
+                  <a:schemeClr val="bg1"/>
+                </a:solidFill>
+              </a:rPr>
+              <a:t>LogicManager</a:t>
+            </a:r>
+            <a:endParaRPr lang="en-SG" sz="1600" dirty="0">
+              <a:solidFill>
+                <a:schemeClr val="bg1"/>
+              </a:solidFill>
+            </a:endParaRPr>
+          </a:p>
+        </p:txBody>
+      </p:sp>
+      <p:cxnSp>
+        <p:nvCxnSpPr>
+          <p:cNvPr id="5" name="Straight Connector 4"/>
+          <p:cNvCxnSpPr>
+            <a:cxnSpLocks/>
+          </p:cNvCxnSpPr>
+          <p:nvPr/>
+        </p:nvCxnSpPr>
+        <p:spPr>
+          <a:xfrm>
+            <a:off x="2557068" y="1357294"/>
+            <a:ext cx="0" cy="4350183"/>
+          </a:xfrm>
+          <a:prstGeom prst="line">
+            <a:avLst/>
+          </a:prstGeom>
+          <a:ln w="19050">
+            <a:solidFill>
+              <a:srgbClr val="0070C0"/>
+            </a:solidFill>
+            <a:prstDash val="sysDash"/>
+          </a:ln>
+          <a:effectLst/>
+        </p:spPr>
+        <p:style>
+          <a:lnRef idx="1">
+            <a:schemeClr val="accent1"/>
+          </a:lnRef>
+          <a:fillRef idx="2">
+            <a:schemeClr val="accent1"/>
+          </a:fillRef>
+          <a:effectRef idx="1">
+            <a:schemeClr val="accent1"/>
+          </a:effectRef>
+          <a:fontRef idx="minor">
+            <a:schemeClr val="dk1"/>
+          </a:fontRef>
+        </p:style>
+      </p:cxnSp>
+      <p:sp>
+        <p:nvSpPr>
+          <p:cNvPr id="6" name="Rectangle 5"/>
+          <p:cNvSpPr/>
+          <p:nvPr/>
+        </p:nvSpPr>
+        <p:spPr>
+          <a:xfrm>
+            <a:off x="2476138" y="1707988"/>
+            <a:ext cx="161322" cy="3847087"/>
+          </a:xfrm>
+          <a:prstGeom prst="rect">
+            <a:avLst/>
+          </a:prstGeom>
+          <a:solidFill>
+            <a:srgbClr val="0070C0"/>
+          </a:solidFill>
+          <a:ln>
+            <a:solidFill>
+              <a:srgbClr val="0070C0"/>
+            </a:solidFill>
+          </a:ln>
+          <a:effectLst/>
+        </p:spPr>
+        <p:style>
+          <a:lnRef idx="1">
+            <a:schemeClr val="accent3"/>
+          </a:lnRef>
+          <a:fillRef idx="2">
+            <a:schemeClr val="accent3"/>
+          </a:fillRef>
+          <a:effectRef idx="1">
+            <a:schemeClr val="accent3"/>
+          </a:effectRef>
+          <a:fontRef idx="minor">
+            <a:schemeClr val="dk1"/>
+          </a:fontRef>
+        </p:style>
+        <p:txBody>
+          <a:bodyPr rtlCol="0" anchor="ctr"/>
+          <a:lstStyle/>
+          <a:p>
+            <a:pPr algn="ctr"/>
+            <a:endParaRPr lang="en-SG" sz="1400"/>
+          </a:p>
+        </p:txBody>
+      </p:sp>
+      <p:cxnSp>
+        <p:nvCxnSpPr>
+          <p:cNvPr id="17" name="Straight Connector 16"/>
+          <p:cNvCxnSpPr>
+            <a:cxnSpLocks/>
+          </p:cNvCxnSpPr>
+          <p:nvPr/>
+        </p:nvCxnSpPr>
+        <p:spPr>
+          <a:xfrm>
+            <a:off x="4996696" y="1357293"/>
+            <a:ext cx="0" cy="1482984"/>
+          </a:xfrm>
+          <a:prstGeom prst="line">
+            <a:avLst/>
+          </a:prstGeom>
+          <a:ln w="19050">
+            <a:solidFill>
+              <a:srgbClr val="0070C0"/>
+            </a:solidFill>
+            <a:prstDash val="sysDash"/>
+          </a:ln>
+          <a:effectLst/>
+        </p:spPr>
+        <p:style>
+          <a:lnRef idx="1">
+            <a:schemeClr val="accent1"/>
+          </a:lnRef>
+          <a:fillRef idx="2">
+            <a:schemeClr val="accent1"/>
+          </a:fillRef>
+          <a:effectRef idx="1">
+            <a:schemeClr val="accent1"/>
+          </a:effectRef>
+          <a:fontRef idx="minor">
+            <a:schemeClr val="dk1"/>
+          </a:fontRef>
+        </p:style>
+      </p:cxnSp>
+      <p:sp>
+        <p:nvSpPr>
+          <p:cNvPr id="18" name="Rectangle 17"/>
+          <p:cNvSpPr/>
+          <p:nvPr/>
+        </p:nvSpPr>
+        <p:spPr>
+          <a:xfrm>
+            <a:off x="4924689" y="1815486"/>
+            <a:ext cx="154408" cy="767790"/>
+          </a:xfrm>
+          <a:prstGeom prst="rect">
+            <a:avLst/>
+          </a:prstGeom>
+          <a:solidFill>
+            <a:srgbClr val="0070C0"/>
+          </a:solidFill>
+          <a:ln>
+            <a:solidFill>
+              <a:srgbClr val="0070C0"/>
+            </a:solidFill>
+          </a:ln>
+          <a:effectLst/>
+        </p:spPr>
+        <p:style>
+          <a:lnRef idx="1">
+            <a:schemeClr val="accent3"/>
+          </a:lnRef>
+          <a:fillRef idx="2">
+            <a:schemeClr val="accent3"/>
+          </a:fillRef>
+          <a:effectRef idx="1">
+            <a:schemeClr val="accent3"/>
+          </a:effectRef>
+          <a:fontRef idx="minor">
+            <a:schemeClr val="dk1"/>
+          </a:fontRef>
+        </p:style>
+        <p:txBody>
+          <a:bodyPr rtlCol="0" anchor="ctr"/>
+          <a:lstStyle/>
+          <a:p>
+            <a:pPr algn="ctr"/>
+            <a:endParaRPr lang="en-SG" sz="1400"/>
+          </a:p>
+        </p:txBody>
+      </p:sp>
+      <p:cxnSp>
+        <p:nvCxnSpPr>
+          <p:cNvPr id="20" name="Straight Connector 19"/>
+          <p:cNvCxnSpPr>
+            <a:cxnSpLocks/>
+            <a:stCxn id="21" idx="0"/>
+            <a:endCxn id="4" idx="0"/>
+          </p:cNvCxnSpPr>
+          <p:nvPr/>
+        </p:nvCxnSpPr>
+        <p:spPr>
+          <a:xfrm>
+            <a:off x="6548191" y="2063310"/>
+            <a:ext cx="0" cy="3415567"/>
+          </a:xfrm>
+          <a:prstGeom prst="line">
+            <a:avLst/>
+          </a:prstGeom>
+          <a:ln w="19050">
+            <a:solidFill>
+              <a:srgbClr val="0070C0"/>
+            </a:solidFill>
+            <a:prstDash val="sysDash"/>
+          </a:ln>
+          <a:effectLst/>
+        </p:spPr>
+        <p:style>
+          <a:lnRef idx="1">
+            <a:schemeClr val="accent1"/>
+          </a:lnRef>
+          <a:fillRef idx="2">
+            <a:schemeClr val="accent1"/>
+          </a:fillRef>
+          <a:effectRef idx="1">
+            <a:schemeClr val="accent1"/>
+          </a:effectRef>
+          <a:fontRef idx="minor">
+            <a:schemeClr val="dk1"/>
+          </a:fontRef>
+        </p:style>
+      </p:cxnSp>
+      <p:sp>
+        <p:nvSpPr>
+          <p:cNvPr id="21" name="Rectangle 20"/>
+          <p:cNvSpPr/>
+          <p:nvPr/>
+        </p:nvSpPr>
+        <p:spPr>
+          <a:xfrm>
+            <a:off x="6471991" y="2063310"/>
+            <a:ext cx="152400" cy="276003"/>
+          </a:xfrm>
+          <a:prstGeom prst="rect">
+            <a:avLst/>
+          </a:prstGeom>
+          <a:solidFill>
+            <a:srgbClr val="0070C0"/>
+          </a:solidFill>
+          <a:ln>
+            <a:solidFill>
+              <a:srgbClr val="0070C0"/>
+            </a:solidFill>
+          </a:ln>
+          <a:effectLst/>
+        </p:spPr>
+        <p:style>
+          <a:lnRef idx="1">
+            <a:schemeClr val="accent3"/>
+          </a:lnRef>
+          <a:fillRef idx="2">
+            <a:schemeClr val="accent3"/>
+          </a:fillRef>
+          <a:effectRef idx="1">
+            <a:schemeClr val="accent3"/>
+          </a:effectRef>
+          <a:fontRef idx="minor">
+            <a:schemeClr val="dk1"/>
+          </a:fontRef>
+        </p:style>
+        <p:txBody>
+          <a:bodyPr rtlCol="0" anchor="ctr"/>
+          <a:lstStyle/>
+          <a:p>
+            <a:pPr algn="ctr"/>
+            <a:endParaRPr lang="en-SG" sz="1400"/>
+          </a:p>
+        </p:txBody>
+      </p:sp>
+      <p:cxnSp>
+        <p:nvCxnSpPr>
+          <p:cNvPr id="23" name="Straight Arrow Connector 22"/>
+          <p:cNvCxnSpPr>
+            <a:cxnSpLocks/>
+          </p:cNvCxnSpPr>
+          <p:nvPr/>
+        </p:nvCxnSpPr>
+        <p:spPr>
+          <a:xfrm>
+            <a:off x="1365210" y="1711675"/>
+            <a:ext cx="1119851" cy="0"/>
+          </a:xfrm>
+          <a:prstGeom prst="straightConnector1">
+            <a:avLst/>
+          </a:prstGeom>
+          <a:ln w="19050">
+            <a:solidFill>
+              <a:srgbClr val="00B050"/>
+            </a:solidFill>
+            <a:tailEnd type="arrow"/>
+          </a:ln>
+        </p:spPr>
+        <p:style>
+          <a:lnRef idx="1">
+            <a:schemeClr val="accent1"/>
+          </a:lnRef>
+          <a:fillRef idx="0">
+            <a:schemeClr val="accent1"/>
+          </a:fillRef>
+          <a:effectRef idx="0">
+            <a:schemeClr val="accent1"/>
+          </a:effectRef>
+          <a:fontRef idx="minor">
+            <a:schemeClr val="tx1"/>
+          </a:fontRef>
+        </p:style>
+      </p:cxnSp>
+      <p:sp>
+        <p:nvSpPr>
+          <p:cNvPr id="26" name="TextBox 25"/>
+          <p:cNvSpPr txBox="1"/>
+          <p:nvPr/>
+        </p:nvSpPr>
+        <p:spPr>
+          <a:xfrm>
+            <a:off x="1238491" y="1707986"/>
+            <a:ext cx="1179128" cy="646331"/>
+          </a:xfrm>
+          <a:prstGeom prst="rect">
+            <a:avLst/>
+          </a:prstGeom>
+          <a:noFill/>
+        </p:spPr>
+        <p:txBody>
+          <a:bodyPr wrap="square" lIns="0" tIns="0" rIns="0" bIns="0" rtlCol="0">
+            <a:spAutoFit/>
+          </a:bodyPr>
+          <a:lstStyle/>
+          <a:p>
+            <a:pPr algn="ctr"/>
+            <a:r>
+              <a:rPr lang="en-US" sz="1400" dirty="0">
+                <a:solidFill>
+                  <a:srgbClr val="0070C0"/>
+                </a:solidFill>
+              </a:rPr>
+              <a:t>execute</a:t>
+            </a:r>
+          </a:p>
+          <a:p>
+            <a:pPr algn="ctr"/>
+            <a:r>
+              <a:rPr lang="en-US" sz="1400" dirty="0">
+                <a:solidFill>
+                  <a:srgbClr val="0070C0"/>
+                </a:solidFill>
+              </a:rPr>
+              <a:t>(“brightness &lt;</a:t>
+            </a:r>
+            <a:r>
+              <a:rPr lang="en-US" sz="1400" dirty="0" err="1">
+                <a:solidFill>
+                  <a:srgbClr val="0070C0"/>
+                </a:solidFill>
+              </a:rPr>
+              <a:t>args</a:t>
+            </a:r>
+            <a:r>
+              <a:rPr lang="en-US" sz="1400" dirty="0">
+                <a:solidFill>
+                  <a:srgbClr val="0070C0"/>
+                </a:solidFill>
+              </a:rPr>
+              <a:t>&gt;”)</a:t>
+            </a:r>
+          </a:p>
+        </p:txBody>
+      </p:sp>
+      <p:cxnSp>
+        <p:nvCxnSpPr>
+          <p:cNvPr id="28" name="Straight Arrow Connector 27"/>
+          <p:cNvCxnSpPr>
+            <a:cxnSpLocks/>
+          </p:cNvCxnSpPr>
+          <p:nvPr/>
+        </p:nvCxnSpPr>
+        <p:spPr>
+          <a:xfrm flipV="1">
+            <a:off x="5082081" y="1962017"/>
+            <a:ext cx="922392" cy="1"/>
+          </a:xfrm>
+          <a:prstGeom prst="straightConnector1">
+            <a:avLst/>
+          </a:prstGeom>
+          <a:ln w="19050">
+            <a:solidFill>
+              <a:srgbClr val="0070C0"/>
+            </a:solidFill>
+            <a:tailEnd type="arrow"/>
+          </a:ln>
+        </p:spPr>
+        <p:style>
+          <a:lnRef idx="1">
+            <a:schemeClr val="accent1"/>
+          </a:lnRef>
+          <a:fillRef idx="0">
+            <a:schemeClr val="accent1"/>
+          </a:fillRef>
+          <a:effectRef idx="0">
+            <a:schemeClr val="accent1"/>
+          </a:effectRef>
+          <a:fontRef idx="minor">
+            <a:schemeClr val="tx1"/>
+          </a:fontRef>
+        </p:style>
+      </p:cxnSp>
+      <p:sp>
+        <p:nvSpPr>
+          <p:cNvPr id="29" name="TextBox 28"/>
+          <p:cNvSpPr txBox="1"/>
+          <p:nvPr/>
+        </p:nvSpPr>
+        <p:spPr>
+          <a:xfrm>
+            <a:off x="3903037" y="2659733"/>
+            <a:ext cx="855809" cy="215444"/>
+          </a:xfrm>
+          <a:prstGeom prst="rect">
+            <a:avLst/>
+          </a:prstGeom>
+          <a:noFill/>
+        </p:spPr>
+        <p:txBody>
+          <a:bodyPr wrap="square" lIns="0" tIns="0" rIns="0" bIns="0" rtlCol="0">
+            <a:spAutoFit/>
+          </a:bodyPr>
+          <a:lstStyle>
+            <a:defPPr>
+              <a:defRPr lang="en-US"/>
+            </a:defPPr>
+            <a:lvl1pPr algn="r">
+              <a:defRPr sz="1400">
+                <a:solidFill>
+                  <a:srgbClr val="0070C0"/>
+                </a:solidFill>
+              </a:defRPr>
+            </a:lvl1pPr>
+          </a:lstStyle>
+          <a:p>
+            <a:r>
+              <a:rPr lang="en-US" dirty="0"/>
+              <a:t>execute()</a:t>
+            </a:r>
+          </a:p>
+        </p:txBody>
+      </p:sp>
+      <p:cxnSp>
+        <p:nvCxnSpPr>
+          <p:cNvPr id="34" name="Straight Arrow Connector 33"/>
+          <p:cNvCxnSpPr>
+            <a:cxnSpLocks/>
+          </p:cNvCxnSpPr>
+          <p:nvPr/>
+        </p:nvCxnSpPr>
+        <p:spPr>
+          <a:xfrm>
+            <a:off x="5055217" y="2327908"/>
+            <a:ext cx="1492974" cy="0"/>
+          </a:xfrm>
+          <a:prstGeom prst="straightConnector1">
+            <a:avLst/>
+          </a:prstGeom>
+          <a:ln w="19050">
+            <a:solidFill>
+              <a:srgbClr val="0070C0"/>
+            </a:solidFill>
+            <a:prstDash val="sysDash"/>
+            <a:headEnd type="arrow" w="med" len="med"/>
+            <a:tailEnd type="none" w="med" len="med"/>
+          </a:ln>
+        </p:spPr>
+        <p:style>
+          <a:lnRef idx="1">
+            <a:schemeClr val="accent1"/>
+          </a:lnRef>
+          <a:fillRef idx="0">
+            <a:schemeClr val="accent1"/>
+          </a:fillRef>
+          <a:effectRef idx="0">
+            <a:schemeClr val="accent1"/>
+          </a:effectRef>
+          <a:fontRef idx="minor">
+            <a:schemeClr val="tx1"/>
+          </a:fontRef>
+        </p:style>
+      </p:cxnSp>
+      <p:cxnSp>
+        <p:nvCxnSpPr>
+          <p:cNvPr id="35" name="Straight Arrow Connector 34"/>
+          <p:cNvCxnSpPr>
+            <a:cxnSpLocks/>
+          </p:cNvCxnSpPr>
+          <p:nvPr/>
+        </p:nvCxnSpPr>
+        <p:spPr>
+          <a:xfrm>
+            <a:off x="2637461" y="2583276"/>
+            <a:ext cx="2348067" cy="0"/>
+          </a:xfrm>
+          <a:prstGeom prst="straightConnector1">
+            <a:avLst/>
+          </a:prstGeom>
+          <a:ln w="19050">
+            <a:solidFill>
+              <a:srgbClr val="0070C0"/>
+            </a:solidFill>
+            <a:prstDash val="sysDash"/>
+            <a:headEnd type="arrow" w="med" len="med"/>
+            <a:tailEnd type="none" w="med" len="med"/>
+          </a:ln>
+        </p:spPr>
+        <p:style>
+          <a:lnRef idx="1">
+            <a:schemeClr val="accent1"/>
+          </a:lnRef>
+          <a:fillRef idx="0">
+            <a:schemeClr val="accent1"/>
+          </a:fillRef>
+          <a:effectRef idx="0">
+            <a:schemeClr val="accent1"/>
+          </a:effectRef>
+          <a:fontRef idx="minor">
+            <a:schemeClr val="tx1"/>
+          </a:fontRef>
+        </p:style>
+      </p:cxnSp>
+      <p:cxnSp>
+        <p:nvCxnSpPr>
+          <p:cNvPr id="37" name="Straight Arrow Connector 36"/>
+          <p:cNvCxnSpPr>
+            <a:cxnSpLocks/>
+          </p:cNvCxnSpPr>
+          <p:nvPr/>
+        </p:nvCxnSpPr>
+        <p:spPr>
+          <a:xfrm>
+            <a:off x="1327109" y="5555076"/>
+            <a:ext cx="1196051" cy="0"/>
+          </a:xfrm>
+          <a:prstGeom prst="straightConnector1">
+            <a:avLst/>
+          </a:prstGeom>
+          <a:ln w="19050">
+            <a:solidFill>
+              <a:schemeClr val="accent1"/>
+            </a:solidFill>
+            <a:prstDash val="sysDash"/>
+            <a:headEnd type="arrow" w="med" len="med"/>
+            <a:tailEnd type="none" w="med" len="med"/>
+          </a:ln>
+        </p:spPr>
+        <p:style>
+          <a:lnRef idx="1">
+            <a:schemeClr val="accent1"/>
+          </a:lnRef>
+          <a:fillRef idx="0">
+            <a:schemeClr val="accent1"/>
+          </a:fillRef>
+          <a:effectRef idx="0">
+            <a:schemeClr val="accent1"/>
+          </a:effectRef>
+          <a:fontRef idx="minor">
+            <a:schemeClr val="tx1"/>
+          </a:fontRef>
+        </p:style>
+      </p:cxnSp>
+      <p:sp>
+        <p:nvSpPr>
+          <p:cNvPr id="65" name="Rectangle 64"/>
+          <p:cNvSpPr/>
+          <p:nvPr/>
+        </p:nvSpPr>
+        <p:spPr>
+          <a:xfrm>
+            <a:off x="6472597" y="2851735"/>
+            <a:ext cx="159081" cy="2507745"/>
+          </a:xfrm>
+          <a:prstGeom prst="rect">
+            <a:avLst/>
+          </a:prstGeom>
+          <a:solidFill>
+            <a:srgbClr val="0070C0"/>
+          </a:solidFill>
+          <a:ln>
+            <a:solidFill>
+              <a:srgbClr val="0070C0"/>
+            </a:solidFill>
+          </a:ln>
+          <a:effectLst/>
+        </p:spPr>
+        <p:style>
+          <a:lnRef idx="1">
+            <a:schemeClr val="accent3"/>
+          </a:lnRef>
+          <a:fillRef idx="2">
+            <a:schemeClr val="accent3"/>
+          </a:fillRef>
+          <a:effectRef idx="1">
+            <a:schemeClr val="accent3"/>
+          </a:effectRef>
+          <a:fontRef idx="minor">
+            <a:schemeClr val="dk1"/>
+          </a:fontRef>
+        </p:style>
+        <p:txBody>
+          <a:bodyPr rtlCol="0" anchor="ctr"/>
+          <a:lstStyle/>
+          <a:p>
+            <a:pPr algn="ctr"/>
+            <a:endParaRPr lang="en-SG" sz="1400"/>
+          </a:p>
+        </p:txBody>
+      </p:sp>
+      <p:sp>
+        <p:nvSpPr>
+          <p:cNvPr id="79" name="TextBox 78"/>
+          <p:cNvSpPr txBox="1"/>
+          <p:nvPr/>
+        </p:nvSpPr>
+        <p:spPr>
+          <a:xfrm>
+            <a:off x="6359419" y="2769650"/>
+            <a:ext cx="1423782" cy="184666"/>
+          </a:xfrm>
+          <a:prstGeom prst="rect">
+            <a:avLst/>
+          </a:prstGeom>
+          <a:noFill/>
+        </p:spPr>
+        <p:txBody>
+          <a:bodyPr wrap="square" lIns="0" tIns="0" rIns="0" bIns="0" rtlCol="0">
+            <a:spAutoFit/>
+          </a:bodyPr>
+          <a:lstStyle>
+            <a:defPPr>
+              <a:defRPr lang="en-US"/>
+            </a:defPPr>
+            <a:lvl1pPr algn="r">
+              <a:defRPr sz="1400">
+                <a:solidFill>
+                  <a:srgbClr val="0070C0"/>
+                </a:solidFill>
+              </a:defRPr>
+            </a:lvl1pPr>
+          </a:lstStyle>
+          <a:p>
+            <a:r>
+              <a:rPr lang="en-US" sz="1200" dirty="0" err="1">
+                <a:solidFill>
+                  <a:schemeClr val="accent4">
+                    <a:lumMod val="75000"/>
+                  </a:schemeClr>
+                </a:solidFill>
+              </a:rPr>
+              <a:t>getTempImage</a:t>
+            </a:r>
+            <a:r>
+              <a:rPr lang="en-US" sz="1200" dirty="0">
+                <a:solidFill>
+                  <a:srgbClr val="7030A0"/>
+                </a:solidFill>
+              </a:rPr>
+              <a:t>()</a:t>
+            </a:r>
+            <a:endParaRPr lang="en-US" sz="1200" dirty="0"/>
+          </a:p>
+        </p:txBody>
+      </p:sp>
+      <p:sp>
+        <p:nvSpPr>
+          <p:cNvPr id="80" name="TextBox 79"/>
+          <p:cNvSpPr txBox="1"/>
+          <p:nvPr/>
+        </p:nvSpPr>
+        <p:spPr>
+          <a:xfrm>
+            <a:off x="2697095" y="1490428"/>
+            <a:ext cx="2213965" cy="215444"/>
+          </a:xfrm>
+          <a:prstGeom prst="rect">
+            <a:avLst/>
+          </a:prstGeom>
+          <a:noFill/>
+        </p:spPr>
+        <p:txBody>
+          <a:bodyPr wrap="square" lIns="0" tIns="0" rIns="0" bIns="0" rtlCol="0">
+            <a:spAutoFit/>
+          </a:bodyPr>
+          <a:lstStyle>
+            <a:defPPr>
+              <a:defRPr lang="en-US"/>
+            </a:defPPr>
+            <a:lvl1pPr algn="r">
+              <a:defRPr sz="1400">
+                <a:solidFill>
+                  <a:srgbClr val="0070C0"/>
+                </a:solidFill>
+              </a:defRPr>
+            </a:lvl1pPr>
+          </a:lstStyle>
+          <a:p>
+            <a:r>
+              <a:rPr lang="en-US" dirty="0" err="1"/>
+              <a:t>parseCommand</a:t>
+            </a:r>
+            <a:r>
+              <a:rPr lang="en-US" dirty="0"/>
+              <a:t>(“brightness”)</a:t>
+            </a:r>
+          </a:p>
+        </p:txBody>
+      </p:sp>
+      <p:sp>
+        <p:nvSpPr>
+          <p:cNvPr id="82" name="TextBox 81"/>
+          <p:cNvSpPr txBox="1"/>
+          <p:nvPr/>
+        </p:nvSpPr>
+        <p:spPr>
+          <a:xfrm>
+            <a:off x="4218864" y="5111032"/>
+            <a:ext cx="621216" cy="215444"/>
+          </a:xfrm>
+          <a:prstGeom prst="rect">
+            <a:avLst/>
+          </a:prstGeom>
+          <a:noFill/>
+        </p:spPr>
+        <p:txBody>
+          <a:bodyPr wrap="square" lIns="0" tIns="0" rIns="0" bIns="0" rtlCol="0">
+            <a:spAutoFit/>
+          </a:bodyPr>
+          <a:lstStyle>
+            <a:defPPr>
+              <a:defRPr lang="en-US"/>
+            </a:defPPr>
+            <a:lvl1pPr algn="r">
+              <a:defRPr sz="1400">
+                <a:solidFill>
+                  <a:srgbClr val="0070C0"/>
+                </a:solidFill>
+              </a:defRPr>
+            </a:lvl1pPr>
+          </a:lstStyle>
+          <a:p>
+            <a:r>
+              <a:rPr lang="en-US" dirty="0"/>
+              <a:t>result</a:t>
+            </a:r>
+          </a:p>
+        </p:txBody>
+      </p:sp>
+      <p:sp>
+        <p:nvSpPr>
+          <p:cNvPr id="83" name="TextBox 82"/>
+          <p:cNvSpPr txBox="1"/>
+          <p:nvPr/>
+        </p:nvSpPr>
+        <p:spPr>
+          <a:xfrm>
+            <a:off x="1591379" y="5309977"/>
+            <a:ext cx="762000" cy="215444"/>
+          </a:xfrm>
+          <a:prstGeom prst="rect">
+            <a:avLst/>
+          </a:prstGeom>
+          <a:noFill/>
+        </p:spPr>
+        <p:txBody>
+          <a:bodyPr wrap="square" lIns="0" tIns="0" rIns="0" bIns="0" rtlCol="0">
+            <a:spAutoFit/>
+          </a:bodyPr>
+          <a:lstStyle>
+            <a:defPPr>
+              <a:defRPr lang="en-US"/>
+            </a:defPPr>
+            <a:lvl1pPr algn="r">
+              <a:defRPr sz="1400">
+                <a:solidFill>
+                  <a:srgbClr val="0070C0"/>
+                </a:solidFill>
+              </a:defRPr>
+            </a:lvl1pPr>
+          </a:lstStyle>
+          <a:p>
+            <a:r>
+              <a:rPr lang="en-US" dirty="0"/>
+              <a:t>result</a:t>
+            </a:r>
+          </a:p>
+        </p:txBody>
+      </p:sp>
+      <p:sp>
+        <p:nvSpPr>
+          <p:cNvPr id="84" name="Rectangle 62"/>
+          <p:cNvSpPr/>
+          <p:nvPr/>
+        </p:nvSpPr>
+        <p:spPr>
+          <a:xfrm>
+            <a:off x="8992531" y="3272520"/>
+            <a:ext cx="1294659" cy="244173"/>
+          </a:xfrm>
+          <a:prstGeom prst="rect">
+            <a:avLst/>
+          </a:prstGeom>
+          <a:solidFill>
+            <a:srgbClr val="7030A0"/>
+          </a:solidFill>
+          <a:ln w="19050">
+            <a:solidFill>
+              <a:srgbClr val="7030A0"/>
+            </a:solidFill>
+          </a:ln>
+          <a:effectLst/>
+        </p:spPr>
+        <p:style>
+          <a:lnRef idx="1">
+            <a:schemeClr val="accent2"/>
+          </a:lnRef>
+          <a:fillRef idx="2">
+            <a:schemeClr val="accent2"/>
+          </a:fillRef>
+          <a:effectRef idx="1">
+            <a:schemeClr val="accent2"/>
+          </a:effectRef>
+          <a:fontRef idx="minor">
+            <a:schemeClr val="dk1"/>
+          </a:fontRef>
+        </p:style>
+        <p:txBody>
+          <a:bodyPr rtlCol="0" anchor="ctr"/>
+          <a:lstStyle/>
+          <a:p>
+            <a:pPr algn="ctr"/>
+            <a:r>
+              <a:rPr lang="en-US" sz="1600" dirty="0">
+                <a:solidFill>
+                  <a:schemeClr val="bg1"/>
+                </a:solidFill>
+              </a:rPr>
+              <a:t>: Notifier</a:t>
+            </a:r>
+            <a:endParaRPr lang="en-SG" sz="1600" dirty="0">
+              <a:solidFill>
+                <a:schemeClr val="bg1"/>
+              </a:solidFill>
+            </a:endParaRPr>
+          </a:p>
+        </p:txBody>
+      </p:sp>
+      <p:sp>
+        <p:nvSpPr>
+          <p:cNvPr id="93" name="TextBox 92"/>
+          <p:cNvSpPr txBox="1"/>
+          <p:nvPr/>
+        </p:nvSpPr>
+        <p:spPr>
+          <a:xfrm>
+            <a:off x="2937563" y="2317059"/>
+            <a:ext cx="1636007" cy="215444"/>
+          </a:xfrm>
+          <a:prstGeom prst="rect">
+            <a:avLst/>
+          </a:prstGeom>
+          <a:noFill/>
+        </p:spPr>
+        <p:txBody>
+          <a:bodyPr wrap="square" lIns="0" tIns="0" rIns="0" bIns="0" rtlCol="0">
+            <a:spAutoFit/>
+          </a:bodyPr>
+          <a:lstStyle>
+            <a:defPPr>
+              <a:defRPr lang="en-US"/>
+            </a:defPPr>
+            <a:lvl1pPr algn="r">
+              <a:defRPr sz="1400">
+                <a:solidFill>
+                  <a:srgbClr val="0070C0"/>
+                </a:solidFill>
+              </a:defRPr>
+            </a:lvl1pPr>
+          </a:lstStyle>
+          <a:p>
+            <a:pPr algn="ctr"/>
+            <a:r>
+              <a:rPr lang="en-US" dirty="0" err="1"/>
+              <a:t>BrightnessCommand</a:t>
+            </a:r>
+            <a:endParaRPr lang="en-US" dirty="0"/>
+          </a:p>
+        </p:txBody>
+      </p:sp>
+      <p:sp>
+        <p:nvSpPr>
+          <p:cNvPr id="40" name="Rectangle 62"/>
+          <p:cNvSpPr/>
+          <p:nvPr/>
+        </p:nvSpPr>
+        <p:spPr>
+          <a:xfrm>
+            <a:off x="7474264" y="2116759"/>
+            <a:ext cx="1388493" cy="394056"/>
+          </a:xfrm>
+          <a:prstGeom prst="rect">
+            <a:avLst/>
+          </a:prstGeom>
+          <a:solidFill>
+            <a:srgbClr val="7030A0"/>
+          </a:solidFill>
+          <a:ln w="19050">
+            <a:solidFill>
+              <a:srgbClr val="7030A0"/>
+            </a:solidFill>
+          </a:ln>
+          <a:effectLst/>
+        </p:spPr>
+        <p:style>
+          <a:lnRef idx="1">
+            <a:schemeClr val="accent2"/>
+          </a:lnRef>
+          <a:fillRef idx="2">
+            <a:schemeClr val="accent2"/>
+          </a:fillRef>
+          <a:effectRef idx="1">
+            <a:schemeClr val="accent2"/>
+          </a:effectRef>
+          <a:fontRef idx="minor">
+            <a:schemeClr val="dk1"/>
+          </a:fontRef>
+        </p:style>
+        <p:txBody>
+          <a:bodyPr rtlCol="0" anchor="ctr"/>
+          <a:lstStyle/>
+          <a:p>
+            <a:pPr algn="ctr"/>
+            <a:r>
+              <a:rPr lang="en-US" sz="1600" dirty="0">
+                <a:solidFill>
+                  <a:schemeClr val="bg1"/>
+                </a:solidFill>
+              </a:rPr>
+              <a:t>: </a:t>
+            </a:r>
+            <a:r>
+              <a:rPr lang="en-US" sz="1600" dirty="0" err="1">
+                <a:solidFill>
+                  <a:schemeClr val="bg1"/>
+                </a:solidFill>
+              </a:rPr>
+              <a:t>CurrentEdit</a:t>
+            </a:r>
+            <a:endParaRPr lang="en-SG" sz="1600" dirty="0">
+              <a:solidFill>
+                <a:schemeClr val="bg1"/>
+              </a:solidFill>
+            </a:endParaRPr>
+          </a:p>
+        </p:txBody>
+      </p:sp>
+      <p:cxnSp>
+        <p:nvCxnSpPr>
+          <p:cNvPr id="46" name="Straight Connector 45"/>
+          <p:cNvCxnSpPr>
+            <a:cxnSpLocks/>
+          </p:cNvCxnSpPr>
+          <p:nvPr/>
+        </p:nvCxnSpPr>
+        <p:spPr>
+          <a:xfrm>
+            <a:off x="8053774" y="2510815"/>
+            <a:ext cx="19230" cy="2968061"/>
+          </a:xfrm>
+          <a:prstGeom prst="line">
+            <a:avLst/>
+          </a:prstGeom>
+          <a:ln w="19050">
+            <a:solidFill>
+              <a:srgbClr val="7030A0"/>
+            </a:solidFill>
+            <a:prstDash val="sysDash"/>
+          </a:ln>
+          <a:effectLst/>
+        </p:spPr>
+        <p:style>
+          <a:lnRef idx="1">
+            <a:schemeClr val="accent1"/>
+          </a:lnRef>
+          <a:fillRef idx="2">
+            <a:schemeClr val="accent1"/>
+          </a:fillRef>
+          <a:effectRef idx="1">
+            <a:schemeClr val="accent1"/>
+          </a:effectRef>
+          <a:fontRef idx="minor">
+            <a:schemeClr val="dk1"/>
+          </a:fontRef>
+        </p:style>
+      </p:cxnSp>
+      <p:sp>
+        <p:nvSpPr>
+          <p:cNvPr id="49" name="Rectangle 48"/>
+          <p:cNvSpPr/>
+          <p:nvPr/>
+        </p:nvSpPr>
+        <p:spPr>
+          <a:xfrm>
+            <a:off x="7981081" y="2959047"/>
+            <a:ext cx="209110" cy="253481"/>
+          </a:xfrm>
+          <a:prstGeom prst="rect">
+            <a:avLst/>
+          </a:prstGeom>
+          <a:solidFill>
+            <a:srgbClr val="7030A0"/>
+          </a:solidFill>
+          <a:ln>
+            <a:solidFill>
+              <a:srgbClr val="7030A0"/>
+            </a:solidFill>
+          </a:ln>
+          <a:effectLst/>
+        </p:spPr>
+        <p:style>
+          <a:lnRef idx="1">
+            <a:schemeClr val="accent3"/>
+          </a:lnRef>
+          <a:fillRef idx="2">
+            <a:schemeClr val="accent3"/>
+          </a:fillRef>
+          <a:effectRef idx="1">
+            <a:schemeClr val="accent3"/>
+          </a:effectRef>
+          <a:fontRef idx="minor">
+            <a:schemeClr val="dk1"/>
+          </a:fontRef>
+        </p:style>
+        <p:txBody>
+          <a:bodyPr rtlCol="0" anchor="ctr"/>
+          <a:lstStyle/>
+          <a:p>
+            <a:pPr algn="ctr"/>
+            <a:endParaRPr lang="en-SG" sz="1400"/>
+          </a:p>
+        </p:txBody>
+      </p:sp>
+      <p:cxnSp>
+        <p:nvCxnSpPr>
+          <p:cNvPr id="50" name="Straight Arrow Connector 49"/>
+          <p:cNvCxnSpPr>
+            <a:cxnSpLocks/>
+          </p:cNvCxnSpPr>
+          <p:nvPr/>
+        </p:nvCxnSpPr>
+        <p:spPr>
+          <a:xfrm>
+            <a:off x="6656872" y="2964804"/>
+            <a:ext cx="1357607" cy="0"/>
+          </a:xfrm>
+          <a:prstGeom prst="straightConnector1">
+            <a:avLst/>
+          </a:prstGeom>
+          <a:ln w="19050">
+            <a:solidFill>
+              <a:srgbClr val="0070C0"/>
+            </a:solidFill>
+            <a:tailEnd type="arrow"/>
+          </a:ln>
+        </p:spPr>
+        <p:style>
+          <a:lnRef idx="1">
+            <a:schemeClr val="accent1"/>
+          </a:lnRef>
+          <a:fillRef idx="0">
+            <a:schemeClr val="accent1"/>
+          </a:fillRef>
+          <a:effectRef idx="0">
+            <a:schemeClr val="accent1"/>
+          </a:effectRef>
+          <a:fontRef idx="minor">
+            <a:schemeClr val="tx1"/>
+          </a:fontRef>
+        </p:style>
+      </p:cxnSp>
+      <p:sp>
+        <p:nvSpPr>
+          <p:cNvPr id="4" name="TextBox 3"/>
+          <p:cNvSpPr txBox="1"/>
+          <p:nvPr/>
+        </p:nvSpPr>
+        <p:spPr>
+          <a:xfrm>
+            <a:off x="6418989" y="5478876"/>
+            <a:ext cx="258404" cy="261610"/>
+          </a:xfrm>
+          <a:prstGeom prst="rect">
+            <a:avLst/>
+          </a:prstGeom>
+          <a:noFill/>
+        </p:spPr>
+        <p:txBody>
+          <a:bodyPr wrap="square" rtlCol="0">
+            <a:spAutoFit/>
+          </a:bodyPr>
+          <a:lstStyle/>
+          <a:p>
+            <a:r>
+              <a:rPr lang="en-SG" sz="1100" dirty="0">
+                <a:solidFill>
+                  <a:srgbClr val="002060"/>
+                </a:solidFill>
+              </a:rPr>
+              <a:t>X</a:t>
+            </a:r>
+          </a:p>
+        </p:txBody>
+      </p:sp>
+      <p:sp>
+        <p:nvSpPr>
+          <p:cNvPr id="19" name="Rectangle 62"/>
+          <p:cNvSpPr/>
+          <p:nvPr/>
+        </p:nvSpPr>
+        <p:spPr>
+          <a:xfrm>
+            <a:off x="5982085" y="1676571"/>
+            <a:ext cx="1185164" cy="461538"/>
+          </a:xfrm>
+          <a:prstGeom prst="rect">
+            <a:avLst/>
+          </a:prstGeom>
+          <a:solidFill>
+            <a:srgbClr val="0070C0"/>
+          </a:solidFill>
+          <a:ln w="19050">
+            <a:solidFill>
+              <a:srgbClr val="0070C0"/>
+            </a:solidFill>
+          </a:ln>
+          <a:effectLst/>
+        </p:spPr>
+        <p:style>
+          <a:lnRef idx="1">
+            <a:schemeClr val="accent2"/>
+          </a:lnRef>
+          <a:fillRef idx="2">
+            <a:schemeClr val="accent2"/>
+          </a:fillRef>
+          <a:effectRef idx="1">
+            <a:schemeClr val="accent2"/>
+          </a:effectRef>
+          <a:fontRef idx="minor">
+            <a:schemeClr val="dk1"/>
+          </a:fontRef>
+        </p:style>
+        <p:txBody>
+          <a:bodyPr rtlCol="0" anchor="ctr"/>
+          <a:lstStyle/>
+          <a:p>
+            <a:pPr algn="ctr"/>
+            <a:r>
+              <a:rPr lang="en-US" sz="1200" dirty="0">
+                <a:solidFill>
+                  <a:schemeClr val="bg1"/>
+                </a:solidFill>
+              </a:rPr>
+              <a:t>brightness: Brightness</a:t>
+            </a:r>
+            <a:br>
+              <a:rPr lang="en-US" sz="1200" dirty="0">
+                <a:solidFill>
+                  <a:schemeClr val="bg1"/>
+                </a:solidFill>
+              </a:rPr>
+            </a:br>
+            <a:r>
+              <a:rPr lang="en-US" sz="1200" dirty="0">
+                <a:solidFill>
+                  <a:schemeClr val="bg1"/>
+                </a:solidFill>
+              </a:rPr>
+              <a:t>Command</a:t>
+            </a:r>
+            <a:endParaRPr lang="en-SG" sz="1200" dirty="0">
+              <a:solidFill>
+                <a:schemeClr val="bg1"/>
+              </a:solidFill>
+            </a:endParaRPr>
+          </a:p>
+        </p:txBody>
+      </p:sp>
+      <p:cxnSp>
+        <p:nvCxnSpPr>
+          <p:cNvPr id="66" name="Straight Arrow Connector 65">
+            <a:extLst>
+              <a:ext uri="{FF2B5EF4-FFF2-40B4-BE49-F238E27FC236}">
+                <a16:creationId xmlns:a16="http://schemas.microsoft.com/office/drawing/2014/main" id="{39916E2E-195A-4DC8-B025-B05FA87E6796}"/>
+              </a:ext>
+            </a:extLst>
+          </p:cNvPr>
+          <p:cNvCxnSpPr>
+            <a:cxnSpLocks/>
+          </p:cNvCxnSpPr>
+          <p:nvPr/>
+        </p:nvCxnSpPr>
+        <p:spPr>
+          <a:xfrm>
+            <a:off x="2659636" y="2869833"/>
+            <a:ext cx="3832164" cy="1"/>
+          </a:xfrm>
+          <a:prstGeom prst="straightConnector1">
+            <a:avLst/>
+          </a:prstGeom>
+          <a:ln w="19050">
+            <a:solidFill>
+              <a:srgbClr val="0070C0"/>
+            </a:solidFill>
+            <a:tailEnd type="arrow"/>
+          </a:ln>
+        </p:spPr>
+        <p:style>
+          <a:lnRef idx="1">
+            <a:schemeClr val="accent1"/>
+          </a:lnRef>
+          <a:fillRef idx="0">
+            <a:schemeClr val="accent1"/>
+          </a:fillRef>
+          <a:effectRef idx="0">
+            <a:schemeClr val="accent1"/>
+          </a:effectRef>
+          <a:fontRef idx="minor">
+            <a:schemeClr val="tx1"/>
+          </a:fontRef>
+        </p:style>
+      </p:cxnSp>
+      <p:cxnSp>
+        <p:nvCxnSpPr>
+          <p:cNvPr id="67" name="Straight Arrow Connector 66">
+            <a:extLst>
+              <a:ext uri="{FF2B5EF4-FFF2-40B4-BE49-F238E27FC236}">
+                <a16:creationId xmlns:a16="http://schemas.microsoft.com/office/drawing/2014/main" id="{D881596E-177C-4FDC-8E60-CAB90B3D5FAB}"/>
+              </a:ext>
+            </a:extLst>
+          </p:cNvPr>
+          <p:cNvCxnSpPr>
+            <a:cxnSpLocks/>
+          </p:cNvCxnSpPr>
+          <p:nvPr/>
+        </p:nvCxnSpPr>
+        <p:spPr>
+          <a:xfrm>
+            <a:off x="2654355" y="1813595"/>
+            <a:ext cx="2256705" cy="1"/>
+          </a:xfrm>
+          <a:prstGeom prst="straightConnector1">
+            <a:avLst/>
+          </a:prstGeom>
+          <a:ln w="19050">
+            <a:solidFill>
+              <a:srgbClr val="0070C0"/>
+            </a:solidFill>
+            <a:tailEnd type="arrow"/>
+          </a:ln>
+        </p:spPr>
+        <p:style>
+          <a:lnRef idx="1">
+            <a:schemeClr val="accent1"/>
+          </a:lnRef>
+          <a:fillRef idx="0">
+            <a:schemeClr val="accent1"/>
+          </a:fillRef>
+          <a:effectRef idx="0">
+            <a:schemeClr val="accent1"/>
+          </a:effectRef>
+          <a:fontRef idx="minor">
+            <a:schemeClr val="tx1"/>
+          </a:fontRef>
+        </p:style>
+      </p:cxnSp>
+      <p:cxnSp>
+        <p:nvCxnSpPr>
+          <p:cNvPr id="69" name="Straight Arrow Connector 68">
+            <a:extLst>
+              <a:ext uri="{FF2B5EF4-FFF2-40B4-BE49-F238E27FC236}">
+                <a16:creationId xmlns:a16="http://schemas.microsoft.com/office/drawing/2014/main" id="{7C9F21BC-13A9-471F-825A-2621FD36355F}"/>
+              </a:ext>
+            </a:extLst>
+          </p:cNvPr>
+          <p:cNvCxnSpPr>
+            <a:cxnSpLocks/>
+          </p:cNvCxnSpPr>
+          <p:nvPr/>
+        </p:nvCxnSpPr>
+        <p:spPr>
+          <a:xfrm>
+            <a:off x="2637461" y="5359478"/>
+            <a:ext cx="3831517" cy="0"/>
+          </a:xfrm>
+          <a:prstGeom prst="straightConnector1">
+            <a:avLst/>
+          </a:prstGeom>
+          <a:ln w="19050">
+            <a:solidFill>
+              <a:srgbClr val="0070C0"/>
+            </a:solidFill>
+            <a:prstDash val="sysDash"/>
+            <a:headEnd type="arrow" w="med" len="med"/>
+            <a:tailEnd type="none" w="med" len="med"/>
+          </a:ln>
+        </p:spPr>
+        <p:style>
+          <a:lnRef idx="1">
+            <a:schemeClr val="accent1"/>
+          </a:lnRef>
+          <a:fillRef idx="0">
+            <a:schemeClr val="accent1"/>
+          </a:fillRef>
+          <a:effectRef idx="0">
+            <a:schemeClr val="accent1"/>
+          </a:effectRef>
+          <a:fontRef idx="minor">
+            <a:schemeClr val="tx1"/>
+          </a:fontRef>
+        </p:style>
+      </p:cxnSp>
+      <p:cxnSp>
+        <p:nvCxnSpPr>
+          <p:cNvPr id="89" name="Straight Connector 88">
+            <a:extLst>
+              <a:ext uri="{FF2B5EF4-FFF2-40B4-BE49-F238E27FC236}">
+                <a16:creationId xmlns:a16="http://schemas.microsoft.com/office/drawing/2014/main" id="{E4E1C8CA-49DF-45D8-80A5-D5C8282EE927}"/>
+              </a:ext>
+            </a:extLst>
+          </p:cNvPr>
+          <p:cNvCxnSpPr>
+            <a:cxnSpLocks/>
+            <a:stCxn id="84" idx="0"/>
+            <a:endCxn id="85" idx="0"/>
+          </p:cNvCxnSpPr>
+          <p:nvPr/>
+        </p:nvCxnSpPr>
+        <p:spPr>
+          <a:xfrm>
+            <a:off x="9639861" y="3272520"/>
+            <a:ext cx="23751" cy="2229776"/>
+          </a:xfrm>
+          <a:prstGeom prst="line">
+            <a:avLst/>
+          </a:prstGeom>
+          <a:ln w="19050">
+            <a:solidFill>
+              <a:srgbClr val="7030A0"/>
+            </a:solidFill>
+            <a:prstDash val="sysDash"/>
+          </a:ln>
+          <a:effectLst/>
+        </p:spPr>
+        <p:style>
+          <a:lnRef idx="1">
+            <a:schemeClr val="accent1"/>
+          </a:lnRef>
+          <a:fillRef idx="2">
+            <a:schemeClr val="accent1"/>
+          </a:fillRef>
+          <a:effectRef idx="1">
+            <a:schemeClr val="accent1"/>
+          </a:effectRef>
+          <a:fontRef idx="minor">
+            <a:schemeClr val="dk1"/>
+          </a:fontRef>
+        </p:style>
+      </p:cxnSp>
+      <p:cxnSp>
+        <p:nvCxnSpPr>
+          <p:cNvPr id="63" name="Straight Arrow Connector 62">
+            <a:extLst>
+              <a:ext uri="{FF2B5EF4-FFF2-40B4-BE49-F238E27FC236}">
+                <a16:creationId xmlns:a16="http://schemas.microsoft.com/office/drawing/2014/main" id="{7C9F21BC-13A9-471F-825A-2621FD36355F}"/>
+              </a:ext>
+            </a:extLst>
+          </p:cNvPr>
+          <p:cNvCxnSpPr>
+            <a:cxnSpLocks/>
+          </p:cNvCxnSpPr>
+          <p:nvPr/>
+        </p:nvCxnSpPr>
+        <p:spPr>
+          <a:xfrm flipV="1">
+            <a:off x="6645296" y="3213901"/>
+            <a:ext cx="1440340" cy="6887"/>
+          </a:xfrm>
+          <a:prstGeom prst="straightConnector1">
+            <a:avLst/>
+          </a:prstGeom>
+          <a:ln w="19050">
+            <a:solidFill>
+              <a:srgbClr val="7030A0"/>
+            </a:solidFill>
+            <a:prstDash val="sysDash"/>
+            <a:headEnd type="arrow" w="med" len="med"/>
+            <a:tailEnd type="none" w="med" len="med"/>
+          </a:ln>
+        </p:spPr>
+        <p:style>
+          <a:lnRef idx="1">
+            <a:schemeClr val="accent1"/>
+          </a:lnRef>
+          <a:fillRef idx="0">
+            <a:schemeClr val="accent1"/>
+          </a:fillRef>
+          <a:effectRef idx="0">
+            <a:schemeClr val="accent1"/>
+          </a:effectRef>
+          <a:fontRef idx="minor">
+            <a:schemeClr val="tx1"/>
+          </a:fontRef>
+        </p:style>
+      </p:cxnSp>
+      <p:sp>
+        <p:nvSpPr>
+          <p:cNvPr id="78" name="TextBox 77">
+            <a:extLst>
+              <a:ext uri="{FF2B5EF4-FFF2-40B4-BE49-F238E27FC236}">
+                <a16:creationId xmlns:a16="http://schemas.microsoft.com/office/drawing/2014/main" id="{0772AC28-6CCA-D043-ABB2-97A18FBB6317}"/>
+              </a:ext>
+            </a:extLst>
+          </p:cNvPr>
+          <p:cNvSpPr txBox="1"/>
+          <p:nvPr/>
+        </p:nvSpPr>
+        <p:spPr>
+          <a:xfrm>
+            <a:off x="7933322" y="5478876"/>
+            <a:ext cx="258404" cy="261610"/>
+          </a:xfrm>
+          <a:prstGeom prst="rect">
+            <a:avLst/>
+          </a:prstGeom>
+          <a:noFill/>
+        </p:spPr>
+        <p:txBody>
+          <a:bodyPr wrap="square" rtlCol="0">
+            <a:spAutoFit/>
+          </a:bodyPr>
+          <a:lstStyle/>
+          <a:p>
+            <a:r>
+              <a:rPr lang="en-SG" sz="1100" dirty="0">
+                <a:solidFill>
+                  <a:srgbClr val="002060"/>
+                </a:solidFill>
+              </a:rPr>
+              <a:t>X</a:t>
+            </a:r>
+          </a:p>
+        </p:txBody>
+      </p:sp>
+      <p:sp>
+        <p:nvSpPr>
+          <p:cNvPr id="85" name="TextBox 84">
+            <a:extLst>
+              <a:ext uri="{FF2B5EF4-FFF2-40B4-BE49-F238E27FC236}">
+                <a16:creationId xmlns:a16="http://schemas.microsoft.com/office/drawing/2014/main" id="{A2AA5E9C-667D-CD42-8A1D-D3C2929DECFA}"/>
+              </a:ext>
+            </a:extLst>
+          </p:cNvPr>
+          <p:cNvSpPr txBox="1"/>
+          <p:nvPr/>
+        </p:nvSpPr>
+        <p:spPr>
+          <a:xfrm>
+            <a:off x="9534410" y="5502296"/>
+            <a:ext cx="258404" cy="261610"/>
+          </a:xfrm>
+          <a:prstGeom prst="rect">
+            <a:avLst/>
+          </a:prstGeom>
+          <a:noFill/>
+        </p:spPr>
+        <p:txBody>
+          <a:bodyPr wrap="square" rtlCol="0">
+            <a:spAutoFit/>
+          </a:bodyPr>
+          <a:lstStyle/>
+          <a:p>
+            <a:r>
+              <a:rPr lang="en-SG" sz="1100" dirty="0">
+                <a:solidFill>
+                  <a:srgbClr val="002060"/>
+                </a:solidFill>
+              </a:rPr>
+              <a:t>X</a:t>
+            </a:r>
+          </a:p>
+        </p:txBody>
+      </p:sp>
+      <p:cxnSp>
+        <p:nvCxnSpPr>
+          <p:cNvPr id="51" name="Straight Arrow Connector 50">
+            <a:extLst>
+              <a:ext uri="{FF2B5EF4-FFF2-40B4-BE49-F238E27FC236}">
+                <a16:creationId xmlns:a16="http://schemas.microsoft.com/office/drawing/2014/main" id="{65A39371-EC2A-9E42-900F-D14EA1319C95}"/>
+              </a:ext>
+            </a:extLst>
+          </p:cNvPr>
+          <p:cNvCxnSpPr>
+            <a:cxnSpLocks/>
+          </p:cNvCxnSpPr>
+          <p:nvPr/>
+        </p:nvCxnSpPr>
+        <p:spPr>
+          <a:xfrm>
+            <a:off x="6620608" y="4954185"/>
+            <a:ext cx="1357607" cy="0"/>
+          </a:xfrm>
+          <a:prstGeom prst="straightConnector1">
+            <a:avLst/>
+          </a:prstGeom>
+          <a:ln w="19050">
+            <a:solidFill>
+              <a:srgbClr val="0070C0"/>
+            </a:solidFill>
+            <a:tailEnd type="arrow"/>
+          </a:ln>
+        </p:spPr>
+        <p:style>
+          <a:lnRef idx="1">
+            <a:schemeClr val="accent1"/>
+          </a:lnRef>
+          <a:fillRef idx="0">
+            <a:schemeClr val="accent1"/>
+          </a:fillRef>
+          <a:effectRef idx="0">
+            <a:schemeClr val="accent1"/>
+          </a:effectRef>
+          <a:fontRef idx="minor">
+            <a:schemeClr val="tx1"/>
+          </a:fontRef>
+        </p:style>
+      </p:cxnSp>
+      <p:sp>
+        <p:nvSpPr>
+          <p:cNvPr id="54" name="TextBox 53">
+            <a:extLst>
+              <a:ext uri="{FF2B5EF4-FFF2-40B4-BE49-F238E27FC236}">
+                <a16:creationId xmlns:a16="http://schemas.microsoft.com/office/drawing/2014/main" id="{363ED340-89A1-7442-93C0-F23AE2146242}"/>
+              </a:ext>
+            </a:extLst>
+          </p:cNvPr>
+          <p:cNvSpPr txBox="1"/>
+          <p:nvPr/>
+        </p:nvSpPr>
+        <p:spPr>
+          <a:xfrm>
+            <a:off x="6622912" y="4739211"/>
+            <a:ext cx="1346355" cy="184666"/>
+          </a:xfrm>
+          <a:prstGeom prst="rect">
+            <a:avLst/>
+          </a:prstGeom>
+          <a:noFill/>
+        </p:spPr>
+        <p:txBody>
+          <a:bodyPr wrap="square" lIns="0" tIns="0" rIns="0" bIns="0" rtlCol="0">
+            <a:spAutoFit/>
+          </a:bodyPr>
+          <a:lstStyle>
+            <a:defPPr>
+              <a:defRPr lang="en-US"/>
+            </a:defPPr>
+            <a:lvl1pPr algn="r">
+              <a:defRPr sz="1400">
+                <a:solidFill>
+                  <a:srgbClr val="0070C0"/>
+                </a:solidFill>
+              </a:defRPr>
+            </a:lvl1pPr>
+          </a:lstStyle>
+          <a:p>
+            <a:pPr algn="ctr"/>
+            <a:r>
+              <a:rPr lang="en-US" sz="1200" dirty="0" err="1">
+                <a:solidFill>
+                  <a:schemeClr val="accent4">
+                    <a:lumMod val="75000"/>
+                  </a:schemeClr>
+                </a:solidFill>
+              </a:rPr>
+              <a:t>displayTempImage</a:t>
+            </a:r>
+            <a:r>
+              <a:rPr lang="en-US" sz="1200" dirty="0">
+                <a:solidFill>
+                  <a:srgbClr val="7030A0"/>
+                </a:solidFill>
+              </a:rPr>
+              <a:t>()</a:t>
+            </a:r>
+            <a:endParaRPr lang="en-US" sz="1200" dirty="0"/>
+          </a:p>
+        </p:txBody>
+      </p:sp>
+      <p:cxnSp>
+        <p:nvCxnSpPr>
+          <p:cNvPr id="55" name="Straight Arrow Connector 54">
+            <a:extLst>
+              <a:ext uri="{FF2B5EF4-FFF2-40B4-BE49-F238E27FC236}">
+                <a16:creationId xmlns:a16="http://schemas.microsoft.com/office/drawing/2014/main" id="{7B62C957-94C2-4F40-B158-AD4EE9913554}"/>
+              </a:ext>
+            </a:extLst>
+          </p:cNvPr>
+          <p:cNvCxnSpPr>
+            <a:cxnSpLocks/>
+          </p:cNvCxnSpPr>
+          <p:nvPr/>
+        </p:nvCxnSpPr>
+        <p:spPr>
+          <a:xfrm>
+            <a:off x="6632807" y="5184516"/>
+            <a:ext cx="1433860" cy="0"/>
+          </a:xfrm>
+          <a:prstGeom prst="straightConnector1">
+            <a:avLst/>
+          </a:prstGeom>
+          <a:ln w="19050">
+            <a:solidFill>
+              <a:srgbClr val="7030A0"/>
+            </a:solidFill>
+            <a:prstDash val="sysDash"/>
+            <a:headEnd type="arrow" w="med" len="med"/>
+            <a:tailEnd type="none" w="med" len="med"/>
+          </a:ln>
+        </p:spPr>
+        <p:style>
+          <a:lnRef idx="1">
+            <a:schemeClr val="accent1"/>
+          </a:lnRef>
+          <a:fillRef idx="0">
+            <a:schemeClr val="accent1"/>
+          </a:fillRef>
+          <a:effectRef idx="0">
+            <a:schemeClr val="accent1"/>
+          </a:effectRef>
+          <a:fontRef idx="minor">
+            <a:schemeClr val="tx1"/>
+          </a:fontRef>
+        </p:style>
+      </p:cxnSp>
+      <p:sp>
+        <p:nvSpPr>
+          <p:cNvPr id="58" name="TextBox 57">
+            <a:extLst>
+              <a:ext uri="{FF2B5EF4-FFF2-40B4-BE49-F238E27FC236}">
+                <a16:creationId xmlns:a16="http://schemas.microsoft.com/office/drawing/2014/main" id="{73BF5F02-C23B-104E-AD2D-DB09BDEB097B}"/>
+              </a:ext>
+            </a:extLst>
+          </p:cNvPr>
+          <p:cNvSpPr txBox="1"/>
+          <p:nvPr/>
+        </p:nvSpPr>
+        <p:spPr>
+          <a:xfrm>
+            <a:off x="8244175" y="4210587"/>
+            <a:ext cx="1243907" cy="738664"/>
+          </a:xfrm>
+          <a:prstGeom prst="rect">
+            <a:avLst/>
+          </a:prstGeom>
+          <a:noFill/>
+          <a:ln>
+            <a:noFill/>
+          </a:ln>
+        </p:spPr>
+        <p:txBody>
+          <a:bodyPr wrap="square" lIns="0" tIns="0" rIns="0" bIns="0" rtlCol="0">
+            <a:spAutoFit/>
+          </a:bodyPr>
+          <a:lstStyle>
+            <a:defPPr>
+              <a:defRPr lang="en-US"/>
+            </a:defPPr>
+            <a:lvl1pPr algn="r">
+              <a:defRPr sz="1400">
+                <a:solidFill>
+                  <a:srgbClr val="0070C0"/>
+                </a:solidFill>
+              </a:defRPr>
+            </a:lvl1pPr>
+          </a:lstStyle>
+          <a:p>
+            <a:pPr algn="ctr"/>
+            <a:r>
+              <a:rPr lang="en-US" sz="1200" dirty="0">
+                <a:solidFill>
+                  <a:schemeClr val="accent4">
+                    <a:lumMod val="75000"/>
+                  </a:schemeClr>
+                </a:solidFill>
+              </a:rPr>
+              <a:t>&lt;&lt;static&gt;&gt;</a:t>
+            </a:r>
+          </a:p>
+          <a:p>
+            <a:pPr algn="ctr"/>
+            <a:r>
+              <a:rPr lang="en-US" sz="1200" dirty="0" err="1">
+                <a:solidFill>
+                  <a:schemeClr val="accent4">
+                    <a:lumMod val="75000"/>
+                  </a:schemeClr>
+                </a:solidFill>
+              </a:rPr>
+              <a:t>firePropertyChangeListener</a:t>
+            </a:r>
+            <a:r>
+              <a:rPr lang="en-US" sz="1200" dirty="0">
+                <a:solidFill>
+                  <a:schemeClr val="accent4">
+                    <a:lumMod val="75000"/>
+                  </a:schemeClr>
+                </a:solidFill>
+              </a:rPr>
+              <a:t>(String, Object, Object)</a:t>
+            </a:r>
+          </a:p>
+        </p:txBody>
+      </p:sp>
+      <p:cxnSp>
+        <p:nvCxnSpPr>
+          <p:cNvPr id="59" name="Straight Arrow Connector 58">
+            <a:extLst>
+              <a:ext uri="{FF2B5EF4-FFF2-40B4-BE49-F238E27FC236}">
+                <a16:creationId xmlns:a16="http://schemas.microsoft.com/office/drawing/2014/main" id="{39BBEF17-4744-AC4E-9304-47F488B7F971}"/>
+              </a:ext>
+            </a:extLst>
+          </p:cNvPr>
+          <p:cNvCxnSpPr>
+            <a:cxnSpLocks/>
+          </p:cNvCxnSpPr>
+          <p:nvPr/>
+        </p:nvCxnSpPr>
+        <p:spPr>
+          <a:xfrm>
+            <a:off x="8150922" y="4975293"/>
+            <a:ext cx="1470216" cy="0"/>
+          </a:xfrm>
+          <a:prstGeom prst="straightConnector1">
+            <a:avLst/>
+          </a:prstGeom>
+          <a:ln w="19050">
+            <a:solidFill>
+              <a:srgbClr val="7030A0"/>
+            </a:solidFill>
+            <a:tailEnd type="arrow"/>
+          </a:ln>
+        </p:spPr>
+        <p:style>
+          <a:lnRef idx="1">
+            <a:schemeClr val="accent1"/>
+          </a:lnRef>
+          <a:fillRef idx="0">
+            <a:schemeClr val="accent1"/>
+          </a:fillRef>
+          <a:effectRef idx="0">
+            <a:schemeClr val="accent1"/>
+          </a:effectRef>
+          <a:fontRef idx="minor">
+            <a:schemeClr val="tx1"/>
+          </a:fontRef>
+        </p:style>
+      </p:cxnSp>
+      <p:cxnSp>
+        <p:nvCxnSpPr>
+          <p:cNvPr id="61" name="Straight Arrow Connector 60">
+            <a:extLst>
+              <a:ext uri="{FF2B5EF4-FFF2-40B4-BE49-F238E27FC236}">
+                <a16:creationId xmlns:a16="http://schemas.microsoft.com/office/drawing/2014/main" id="{8CC0CF9B-A012-C54D-83A7-19F9E8E20063}"/>
+              </a:ext>
+            </a:extLst>
+          </p:cNvPr>
+          <p:cNvCxnSpPr>
+            <a:cxnSpLocks/>
+          </p:cNvCxnSpPr>
+          <p:nvPr/>
+        </p:nvCxnSpPr>
+        <p:spPr>
+          <a:xfrm flipV="1">
+            <a:off x="8127649" y="5129815"/>
+            <a:ext cx="1470216" cy="6325"/>
+          </a:xfrm>
+          <a:prstGeom prst="straightConnector1">
+            <a:avLst/>
+          </a:prstGeom>
+          <a:ln w="19050">
+            <a:solidFill>
+              <a:srgbClr val="7030A0"/>
+            </a:solidFill>
+            <a:prstDash val="sysDash"/>
+            <a:headEnd type="arrow" w="med" len="med"/>
+            <a:tailEnd type="none" w="med" len="med"/>
+          </a:ln>
+        </p:spPr>
+        <p:style>
+          <a:lnRef idx="1">
+            <a:schemeClr val="accent1"/>
+          </a:lnRef>
+          <a:fillRef idx="0">
+            <a:schemeClr val="accent1"/>
+          </a:fillRef>
+          <a:effectRef idx="0">
+            <a:schemeClr val="accent1"/>
+          </a:effectRef>
+          <a:fontRef idx="minor">
+            <a:schemeClr val="tx1"/>
+          </a:fontRef>
+        </p:style>
+      </p:cxnSp>
+      <p:cxnSp>
+        <p:nvCxnSpPr>
+          <p:cNvPr id="47" name="Straight Arrow Connector 46">
+            <a:extLst>
+              <a:ext uri="{FF2B5EF4-FFF2-40B4-BE49-F238E27FC236}">
+                <a16:creationId xmlns:a16="http://schemas.microsoft.com/office/drawing/2014/main" id="{7AC9CC21-75F3-2D47-B2EB-28FA44CEEEA2}"/>
+              </a:ext>
+            </a:extLst>
+          </p:cNvPr>
+          <p:cNvCxnSpPr>
+            <a:cxnSpLocks/>
+          </p:cNvCxnSpPr>
+          <p:nvPr/>
+        </p:nvCxnSpPr>
+        <p:spPr>
+          <a:xfrm>
+            <a:off x="6670934" y="3505644"/>
+            <a:ext cx="1357607" cy="0"/>
+          </a:xfrm>
+          <a:prstGeom prst="straightConnector1">
+            <a:avLst/>
+          </a:prstGeom>
+          <a:ln w="19050">
+            <a:solidFill>
+              <a:srgbClr val="0070C0"/>
+            </a:solidFill>
+            <a:tailEnd type="arrow"/>
+          </a:ln>
+        </p:spPr>
+        <p:style>
+          <a:lnRef idx="1">
+            <a:schemeClr val="accent1"/>
+          </a:lnRef>
+          <a:fillRef idx="0">
+            <a:schemeClr val="accent1"/>
+          </a:fillRef>
+          <a:effectRef idx="0">
+            <a:schemeClr val="accent1"/>
+          </a:effectRef>
+          <a:fontRef idx="minor">
+            <a:schemeClr val="tx1"/>
+          </a:fontRef>
+        </p:style>
+      </p:cxnSp>
+      <p:sp>
+        <p:nvSpPr>
+          <p:cNvPr id="48" name="TextBox 47">
+            <a:extLst>
+              <a:ext uri="{FF2B5EF4-FFF2-40B4-BE49-F238E27FC236}">
+                <a16:creationId xmlns:a16="http://schemas.microsoft.com/office/drawing/2014/main" id="{D32598CF-6CFF-FD43-A798-54B64DD73AF8}"/>
+              </a:ext>
+            </a:extLst>
+          </p:cNvPr>
+          <p:cNvSpPr txBox="1"/>
+          <p:nvPr/>
+        </p:nvSpPr>
+        <p:spPr>
+          <a:xfrm>
+            <a:off x="6693761" y="3277992"/>
+            <a:ext cx="1346355" cy="184666"/>
+          </a:xfrm>
+          <a:prstGeom prst="rect">
+            <a:avLst/>
+          </a:prstGeom>
+          <a:noFill/>
+        </p:spPr>
+        <p:txBody>
+          <a:bodyPr wrap="square" lIns="0" tIns="0" rIns="0" bIns="0" rtlCol="0">
+            <a:spAutoFit/>
+          </a:bodyPr>
+          <a:lstStyle>
+            <a:defPPr>
+              <a:defRPr lang="en-US"/>
+            </a:defPPr>
+            <a:lvl1pPr algn="r">
+              <a:defRPr sz="1400">
+                <a:solidFill>
+                  <a:srgbClr val="0070C0"/>
+                </a:solidFill>
+              </a:defRPr>
+            </a:lvl1pPr>
+          </a:lstStyle>
+          <a:p>
+            <a:pPr algn="ctr"/>
+            <a:r>
+              <a:rPr lang="en-US" sz="1200" dirty="0" err="1">
+                <a:solidFill>
+                  <a:schemeClr val="accent4">
+                    <a:lumMod val="75000"/>
+                  </a:schemeClr>
+                </a:solidFill>
+              </a:rPr>
+              <a:t>updateTempImage</a:t>
+            </a:r>
+            <a:r>
+              <a:rPr lang="en-US" sz="1200" dirty="0">
+                <a:solidFill>
+                  <a:srgbClr val="7030A0"/>
+                </a:solidFill>
+              </a:rPr>
+              <a:t>()</a:t>
+            </a:r>
+            <a:endParaRPr lang="en-US" sz="1200" dirty="0"/>
+          </a:p>
+        </p:txBody>
+      </p:sp>
+      <p:cxnSp>
+        <p:nvCxnSpPr>
+          <p:cNvPr id="52" name="Straight Arrow Connector 51">
+            <a:extLst>
+              <a:ext uri="{FF2B5EF4-FFF2-40B4-BE49-F238E27FC236}">
+                <a16:creationId xmlns:a16="http://schemas.microsoft.com/office/drawing/2014/main" id="{B591E726-FEE7-654A-851E-62D17D04B8D8}"/>
+              </a:ext>
+            </a:extLst>
+          </p:cNvPr>
+          <p:cNvCxnSpPr>
+            <a:cxnSpLocks/>
+          </p:cNvCxnSpPr>
+          <p:nvPr/>
+        </p:nvCxnSpPr>
+        <p:spPr>
+          <a:xfrm>
+            <a:off x="6656872" y="3746447"/>
+            <a:ext cx="1433860" cy="0"/>
+          </a:xfrm>
+          <a:prstGeom prst="straightConnector1">
+            <a:avLst/>
+          </a:prstGeom>
+          <a:ln w="19050">
+            <a:solidFill>
+              <a:srgbClr val="7030A0"/>
+            </a:solidFill>
+            <a:prstDash val="sysDash"/>
+            <a:headEnd type="arrow" w="med" len="med"/>
+            <a:tailEnd type="none" w="med" len="med"/>
+          </a:ln>
+        </p:spPr>
+        <p:style>
+          <a:lnRef idx="1">
+            <a:schemeClr val="accent1"/>
+          </a:lnRef>
+          <a:fillRef idx="0">
+            <a:schemeClr val="accent1"/>
+          </a:fillRef>
+          <a:effectRef idx="0">
+            <a:schemeClr val="accent1"/>
+          </a:effectRef>
+          <a:fontRef idx="minor">
+            <a:schemeClr val="tx1"/>
+          </a:fontRef>
+        </p:style>
+      </p:cxnSp>
+      <p:sp>
+        <p:nvSpPr>
+          <p:cNvPr id="60" name="Rectangle 59">
+            <a:extLst>
+              <a:ext uri="{FF2B5EF4-FFF2-40B4-BE49-F238E27FC236}">
+                <a16:creationId xmlns:a16="http://schemas.microsoft.com/office/drawing/2014/main" id="{1F3A03C7-32DF-E647-AA75-A225960CF999}"/>
+              </a:ext>
+            </a:extLst>
+          </p:cNvPr>
+          <p:cNvSpPr/>
+          <p:nvPr/>
+        </p:nvSpPr>
+        <p:spPr>
+          <a:xfrm>
+            <a:off x="7957969" y="3492966"/>
+            <a:ext cx="209110" cy="253481"/>
+          </a:xfrm>
+          <a:prstGeom prst="rect">
+            <a:avLst/>
+          </a:prstGeom>
+          <a:solidFill>
+            <a:srgbClr val="7030A0"/>
+          </a:solidFill>
+          <a:ln>
+            <a:solidFill>
+              <a:srgbClr val="7030A0"/>
+            </a:solidFill>
+          </a:ln>
+          <a:effectLst/>
+        </p:spPr>
+        <p:style>
+          <a:lnRef idx="1">
+            <a:schemeClr val="accent3"/>
+          </a:lnRef>
+          <a:fillRef idx="2">
+            <a:schemeClr val="accent3"/>
+          </a:fillRef>
+          <a:effectRef idx="1">
+            <a:schemeClr val="accent3"/>
+          </a:effectRef>
+          <a:fontRef idx="minor">
+            <a:schemeClr val="dk1"/>
+          </a:fontRef>
+        </p:style>
+        <p:txBody>
+          <a:bodyPr rtlCol="0" anchor="ctr"/>
+          <a:lstStyle/>
+          <a:p>
+            <a:pPr algn="ctr"/>
+            <a:endParaRPr lang="en-SG" sz="1400"/>
+          </a:p>
+        </p:txBody>
+      </p:sp>
+      <p:sp>
+        <p:nvSpPr>
+          <p:cNvPr id="62" name="Rectangle 61">
+            <a:extLst>
+              <a:ext uri="{FF2B5EF4-FFF2-40B4-BE49-F238E27FC236}">
+                <a16:creationId xmlns:a16="http://schemas.microsoft.com/office/drawing/2014/main" id="{4F191621-27E3-BC40-86E6-3D250AC29A79}"/>
+              </a:ext>
+            </a:extLst>
+          </p:cNvPr>
+          <p:cNvSpPr/>
+          <p:nvPr/>
+        </p:nvSpPr>
+        <p:spPr>
+          <a:xfrm>
+            <a:off x="7964962" y="4942610"/>
+            <a:ext cx="209110" cy="253481"/>
+          </a:xfrm>
+          <a:prstGeom prst="rect">
+            <a:avLst/>
+          </a:prstGeom>
+          <a:solidFill>
+            <a:srgbClr val="7030A0"/>
+          </a:solidFill>
+          <a:ln>
+            <a:solidFill>
+              <a:srgbClr val="7030A0"/>
+            </a:solidFill>
+          </a:ln>
+          <a:effectLst/>
+        </p:spPr>
+        <p:style>
+          <a:lnRef idx="1">
+            <a:schemeClr val="accent3"/>
+          </a:lnRef>
+          <a:fillRef idx="2">
+            <a:schemeClr val="accent3"/>
+          </a:fillRef>
+          <a:effectRef idx="1">
+            <a:schemeClr val="accent3"/>
+          </a:effectRef>
+          <a:fontRef idx="minor">
+            <a:schemeClr val="dk1"/>
+          </a:fontRef>
+        </p:style>
+        <p:txBody>
+          <a:bodyPr rtlCol="0" anchor="ctr"/>
+          <a:lstStyle/>
+          <a:p>
+            <a:pPr algn="ctr"/>
+            <a:endParaRPr lang="en-SG" sz="1400"/>
+          </a:p>
+        </p:txBody>
+      </p:sp>
+      <p:sp>
+        <p:nvSpPr>
+          <p:cNvPr id="64" name="Rectangle 63">
+            <a:extLst>
+              <a:ext uri="{FF2B5EF4-FFF2-40B4-BE49-F238E27FC236}">
+                <a16:creationId xmlns:a16="http://schemas.microsoft.com/office/drawing/2014/main" id="{5436986F-22CB-3846-8104-866855359CF3}"/>
+              </a:ext>
+            </a:extLst>
+          </p:cNvPr>
+          <p:cNvSpPr/>
+          <p:nvPr/>
+        </p:nvSpPr>
+        <p:spPr>
+          <a:xfrm>
+            <a:off x="7972372" y="4397874"/>
+            <a:ext cx="209110" cy="253481"/>
+          </a:xfrm>
+          <a:prstGeom prst="rect">
+            <a:avLst/>
+          </a:prstGeom>
+          <a:solidFill>
+            <a:srgbClr val="7030A0"/>
+          </a:solidFill>
+          <a:ln>
+            <a:solidFill>
+              <a:srgbClr val="7030A0"/>
+            </a:solidFill>
+          </a:ln>
+          <a:effectLst/>
+        </p:spPr>
+        <p:style>
+          <a:lnRef idx="1">
+            <a:schemeClr val="accent3"/>
+          </a:lnRef>
+          <a:fillRef idx="2">
+            <a:schemeClr val="accent3"/>
+          </a:fillRef>
+          <a:effectRef idx="1">
+            <a:schemeClr val="accent3"/>
+          </a:effectRef>
+          <a:fontRef idx="minor">
+            <a:schemeClr val="dk1"/>
+          </a:fontRef>
+        </p:style>
+        <p:txBody>
+          <a:bodyPr rtlCol="0" anchor="ctr"/>
+          <a:lstStyle/>
+          <a:p>
+            <a:pPr algn="ctr"/>
+            <a:endParaRPr lang="en-SG" sz="1400"/>
+          </a:p>
+        </p:txBody>
+      </p:sp>
+      <p:sp>
+        <p:nvSpPr>
+          <p:cNvPr id="68" name="TextBox 67">
+            <a:extLst>
+              <a:ext uri="{FF2B5EF4-FFF2-40B4-BE49-F238E27FC236}">
+                <a16:creationId xmlns:a16="http://schemas.microsoft.com/office/drawing/2014/main" id="{3510424C-589E-3741-8D5C-9B2DD8AAA3F6}"/>
+              </a:ext>
+            </a:extLst>
+          </p:cNvPr>
+          <p:cNvSpPr txBox="1"/>
+          <p:nvPr/>
+        </p:nvSpPr>
+        <p:spPr>
+          <a:xfrm>
+            <a:off x="6704570" y="4194475"/>
+            <a:ext cx="1346355" cy="184666"/>
+          </a:xfrm>
+          <a:prstGeom prst="rect">
+            <a:avLst/>
+          </a:prstGeom>
+          <a:noFill/>
+        </p:spPr>
+        <p:txBody>
+          <a:bodyPr wrap="square" lIns="0" tIns="0" rIns="0" bIns="0" rtlCol="0">
+            <a:spAutoFit/>
+          </a:bodyPr>
+          <a:lstStyle>
+            <a:defPPr>
+              <a:defRPr lang="en-US"/>
+            </a:defPPr>
+            <a:lvl1pPr algn="r">
+              <a:defRPr sz="1400">
+                <a:solidFill>
+                  <a:srgbClr val="0070C0"/>
+                </a:solidFill>
+              </a:defRPr>
+            </a:lvl1pPr>
+          </a:lstStyle>
+          <a:p>
+            <a:pPr algn="ctr"/>
+            <a:r>
+              <a:rPr lang="en-US" sz="1200" dirty="0" err="1">
+                <a:solidFill>
+                  <a:schemeClr val="accent4">
+                    <a:lumMod val="75000"/>
+                  </a:schemeClr>
+                </a:solidFill>
+              </a:rPr>
+              <a:t>addCommand</a:t>
+            </a:r>
+            <a:r>
+              <a:rPr lang="en-US" sz="1200" dirty="0">
+                <a:solidFill>
+                  <a:srgbClr val="7030A0"/>
+                </a:solidFill>
+              </a:rPr>
+              <a:t>()</a:t>
+            </a:r>
+            <a:endParaRPr lang="en-US" sz="1200" dirty="0"/>
+          </a:p>
+        </p:txBody>
+      </p:sp>
+      <p:cxnSp>
+        <p:nvCxnSpPr>
+          <p:cNvPr id="70" name="Straight Arrow Connector 69">
+            <a:extLst>
+              <a:ext uri="{FF2B5EF4-FFF2-40B4-BE49-F238E27FC236}">
+                <a16:creationId xmlns:a16="http://schemas.microsoft.com/office/drawing/2014/main" id="{87242339-F7ED-B947-A70A-DC2D4D538D02}"/>
+              </a:ext>
+            </a:extLst>
+          </p:cNvPr>
+          <p:cNvCxnSpPr>
+            <a:cxnSpLocks/>
+          </p:cNvCxnSpPr>
+          <p:nvPr/>
+        </p:nvCxnSpPr>
+        <p:spPr>
+          <a:xfrm>
+            <a:off x="6645296" y="4434749"/>
+            <a:ext cx="1357607" cy="0"/>
+          </a:xfrm>
+          <a:prstGeom prst="straightConnector1">
+            <a:avLst/>
+          </a:prstGeom>
+          <a:ln w="19050">
+            <a:solidFill>
+              <a:srgbClr val="0070C0"/>
+            </a:solidFill>
+            <a:tailEnd type="arrow"/>
+          </a:ln>
+        </p:spPr>
+        <p:style>
+          <a:lnRef idx="1">
+            <a:schemeClr val="accent1"/>
+          </a:lnRef>
+          <a:fillRef idx="0">
+            <a:schemeClr val="accent1"/>
+          </a:fillRef>
+          <a:effectRef idx="0">
+            <a:schemeClr val="accent1"/>
+          </a:effectRef>
+          <a:fontRef idx="minor">
+            <a:schemeClr val="tx1"/>
+          </a:fontRef>
+        </p:style>
+      </p:cxnSp>
+      <p:cxnSp>
+        <p:nvCxnSpPr>
+          <p:cNvPr id="71" name="Straight Arrow Connector 70">
+            <a:extLst>
+              <a:ext uri="{FF2B5EF4-FFF2-40B4-BE49-F238E27FC236}">
+                <a16:creationId xmlns:a16="http://schemas.microsoft.com/office/drawing/2014/main" id="{F8BA9C18-17CE-F449-A931-37C648B18D0A}"/>
+              </a:ext>
+            </a:extLst>
+          </p:cNvPr>
+          <p:cNvCxnSpPr>
+            <a:cxnSpLocks/>
+          </p:cNvCxnSpPr>
+          <p:nvPr/>
+        </p:nvCxnSpPr>
+        <p:spPr>
+          <a:xfrm>
+            <a:off x="6635411" y="4659615"/>
+            <a:ext cx="1433860" cy="0"/>
+          </a:xfrm>
+          <a:prstGeom prst="straightConnector1">
+            <a:avLst/>
+          </a:prstGeom>
+          <a:ln w="19050">
+            <a:solidFill>
+              <a:srgbClr val="7030A0"/>
+            </a:solidFill>
+            <a:prstDash val="sysDash"/>
+            <a:headEnd type="arrow" w="med" len="med"/>
+            <a:tailEnd type="none" w="med" len="med"/>
+          </a:ln>
+        </p:spPr>
+        <p:style>
+          <a:lnRef idx="1">
+            <a:schemeClr val="accent1"/>
+          </a:lnRef>
+          <a:fillRef idx="0">
+            <a:schemeClr val="accent1"/>
+          </a:fillRef>
+          <a:effectRef idx="0">
+            <a:schemeClr val="accent1"/>
+          </a:effectRef>
+          <a:fontRef idx="minor">
+            <a:schemeClr val="tx1"/>
+          </a:fontRef>
+        </p:style>
+      </p:cxnSp>
+      <p:sp>
+        <p:nvSpPr>
+          <p:cNvPr id="72" name="Rectangle 71">
+            <a:extLst>
+              <a:ext uri="{FF2B5EF4-FFF2-40B4-BE49-F238E27FC236}">
+                <a16:creationId xmlns:a16="http://schemas.microsoft.com/office/drawing/2014/main" id="{B44F42D8-C355-3041-9C02-36353B996C5A}"/>
+              </a:ext>
+            </a:extLst>
+          </p:cNvPr>
+          <p:cNvSpPr/>
+          <p:nvPr/>
+        </p:nvSpPr>
+        <p:spPr>
+          <a:xfrm>
+            <a:off x="5150613" y="3987249"/>
+            <a:ext cx="4734168" cy="1359077"/>
+          </a:xfrm>
+          <a:prstGeom prst="rect">
+            <a:avLst/>
+          </a:prstGeom>
+          <a:noFill/>
+        </p:spPr>
+        <p:style>
+          <a:lnRef idx="2">
+            <a:schemeClr val="accent1">
+              <a:shade val="50000"/>
+            </a:schemeClr>
+          </a:lnRef>
+          <a:fillRef idx="1">
+            <a:schemeClr val="accent1"/>
+          </a:fillRef>
+          <a:effectRef idx="0">
+            <a:schemeClr val="accent1"/>
+          </a:effectRef>
+          <a:fontRef idx="minor">
+            <a:schemeClr val="lt1"/>
+          </a:fontRef>
+        </p:style>
+        <p:txBody>
+          <a:bodyPr rtlCol="0" anchor="ctr"/>
+          <a:lstStyle/>
+          <a:p>
+            <a:pPr algn="ctr"/>
+            <a:endParaRPr lang="en-SG"/>
+          </a:p>
+        </p:txBody>
+      </p:sp>
+      <p:sp>
+        <p:nvSpPr>
+          <p:cNvPr id="73" name="TextBox 72">
+            <a:extLst>
+              <a:ext uri="{FF2B5EF4-FFF2-40B4-BE49-F238E27FC236}">
+                <a16:creationId xmlns:a16="http://schemas.microsoft.com/office/drawing/2014/main" id="{B92130E8-F3DB-8440-9AD8-EAF1E497545B}"/>
+              </a:ext>
+            </a:extLst>
+          </p:cNvPr>
+          <p:cNvSpPr txBox="1"/>
+          <p:nvPr/>
+        </p:nvSpPr>
+        <p:spPr>
+          <a:xfrm>
+            <a:off x="5172679" y="4004821"/>
+            <a:ext cx="418234" cy="261610"/>
+          </a:xfrm>
+          <a:prstGeom prst="rect">
+            <a:avLst/>
+          </a:prstGeom>
+          <a:noFill/>
+          <a:ln w="28575">
+            <a:solidFill>
+              <a:schemeClr val="tx2"/>
+            </a:solidFill>
+          </a:ln>
+        </p:spPr>
+        <p:txBody>
+          <a:bodyPr wrap="square" rtlCol="0">
+            <a:spAutoFit/>
+          </a:bodyPr>
+          <a:lstStyle/>
+          <a:p>
+            <a:r>
+              <a:rPr lang="en-SG" sz="1100" dirty="0"/>
+              <a:t>opt</a:t>
+            </a:r>
+            <a:endParaRPr lang="en-SG" sz="1200" dirty="0"/>
+          </a:p>
+        </p:txBody>
+      </p:sp>
+      <p:sp>
+        <p:nvSpPr>
+          <p:cNvPr id="74" name="TextBox 73">
+            <a:extLst>
+              <a:ext uri="{FF2B5EF4-FFF2-40B4-BE49-F238E27FC236}">
+                <a16:creationId xmlns:a16="http://schemas.microsoft.com/office/drawing/2014/main" id="{26539531-AA78-FF4C-B3B2-4B001F86FC31}"/>
+              </a:ext>
+            </a:extLst>
+          </p:cNvPr>
+          <p:cNvSpPr txBox="1"/>
+          <p:nvPr/>
+        </p:nvSpPr>
+        <p:spPr>
+          <a:xfrm>
+            <a:off x="5149703" y="4359329"/>
+            <a:ext cx="1365403" cy="184666"/>
+          </a:xfrm>
+          <a:prstGeom prst="rect">
+            <a:avLst/>
+          </a:prstGeom>
+          <a:noFill/>
+        </p:spPr>
+        <p:txBody>
+          <a:bodyPr wrap="square" lIns="0" tIns="0" rIns="0" bIns="0" rtlCol="0">
+            <a:spAutoFit/>
+          </a:bodyPr>
+          <a:lstStyle>
+            <a:defPPr>
+              <a:defRPr lang="en-US"/>
+            </a:defPPr>
+            <a:lvl1pPr algn="r">
+              <a:defRPr sz="1400">
+                <a:solidFill>
+                  <a:srgbClr val="0070C0"/>
+                </a:solidFill>
+              </a:defRPr>
+            </a:lvl1pPr>
+          </a:lstStyle>
+          <a:p>
+            <a:pPr algn="ctr"/>
+            <a:r>
+              <a:rPr lang="en-US" sz="1200" dirty="0">
+                <a:solidFill>
+                  <a:schemeClr val="tx1"/>
+                </a:solidFill>
+              </a:rPr>
+              <a:t>[is a new command]</a:t>
+            </a:r>
+          </a:p>
+        </p:txBody>
+      </p:sp>
+      <p:sp>
+        <p:nvSpPr>
+          <p:cNvPr id="57" name="Rectangle 62">
+            <a:extLst>
+              <a:ext uri="{FF2B5EF4-FFF2-40B4-BE49-F238E27FC236}">
+                <a16:creationId xmlns:a16="http://schemas.microsoft.com/office/drawing/2014/main" id="{642F7719-612C-DE46-AA90-97081D8199DF}"/>
+              </a:ext>
+            </a:extLst>
+          </p:cNvPr>
+          <p:cNvSpPr/>
+          <p:nvPr/>
+        </p:nvSpPr>
+        <p:spPr>
+          <a:xfrm>
+            <a:off x="4383297" y="872698"/>
+            <a:ext cx="1126252" cy="467684"/>
+          </a:xfrm>
+          <a:prstGeom prst="rect">
+            <a:avLst/>
+          </a:prstGeom>
+          <a:solidFill>
+            <a:srgbClr val="0070C0"/>
+          </a:solidFill>
+          <a:ln w="19050">
+            <a:solidFill>
+              <a:srgbClr val="0070C0"/>
+            </a:solidFill>
+          </a:ln>
+          <a:effectLst/>
+        </p:spPr>
+        <p:style>
+          <a:lnRef idx="1">
+            <a:schemeClr val="accent2"/>
+          </a:lnRef>
+          <a:fillRef idx="2">
+            <a:schemeClr val="accent2"/>
+          </a:fillRef>
+          <a:effectRef idx="1">
+            <a:schemeClr val="accent2"/>
+          </a:effectRef>
+          <a:fontRef idx="minor">
+            <a:schemeClr val="dk1"/>
+          </a:fontRef>
+        </p:style>
+        <p:txBody>
+          <a:bodyPr rtlCol="0" anchor="ctr"/>
+          <a:lstStyle/>
+          <a:p>
+            <a:pPr algn="ctr"/>
+            <a:r>
+              <a:rPr lang="en-US" sz="1600" dirty="0">
+                <a:solidFill>
+                  <a:schemeClr val="bg1"/>
+                </a:solidFill>
+              </a:rPr>
+              <a:t>:</a:t>
+            </a:r>
+            <a:r>
+              <a:rPr lang="en-US" sz="1600" dirty="0" err="1">
+                <a:solidFill>
+                  <a:schemeClr val="bg1"/>
+                </a:solidFill>
+              </a:rPr>
+              <a:t>FomoFotoParser</a:t>
+            </a:r>
+            <a:endParaRPr lang="en-SG" sz="1600" dirty="0">
+              <a:solidFill>
+                <a:schemeClr val="bg1"/>
+              </a:solidFill>
+            </a:endParaRPr>
           </a:p>
         </p:txBody>
       </p:sp>
     </p:spTree>
     <p:extLst>
       <p:ext uri="{BB962C8B-B14F-4D97-AF65-F5344CB8AC3E}">
-        <p14:creationId xmlns:p14="http://schemas.microsoft.com/office/powerpoint/2010/main" val="278862243"/>
+        <p14:creationId xmlns:p14="http://schemas.microsoft.com/office/powerpoint/2010/main" val="2936329261"/>
       </p:ext>
     </p:extLst>
   </p:cSld>

--- a/docs/diagrams/BrightnessCommandSequenceDiagram.pptx
+++ b/docs/diagrams/BrightnessCommandSequenceDiagram.pptx
@@ -104,6 +104,11 @@
       </a:defRPr>
     </a:lvl9pPr>
   </p:defaultTextStyle>
+  <p:extLst>
+    <p:ext uri="{EFAFB233-063F-42B5-8137-9DF3F51BA10A}">
+      <p15:sldGuideLst xmlns:p15="http://schemas.microsoft.com/office/powerpoint/2012/main"/>
+    </p:ext>
+  </p:extLst>
 </p:presentation>
 </file>
 
@@ -254,7 +259,7 @@
           <a:p>
             <a:fld id="{A930C18F-603F-AF40-8006-F566A6EEF7D2}" type="datetimeFigureOut">
               <a:rPr lang="en-US" smtClean="0"/>
-              <a:t>3/30/19</a:t>
+              <a:t>4/1/19</a:t>
             </a:fld>
             <a:endParaRPr lang="en-US"/>
           </a:p>
@@ -452,7 +457,7 @@
           <a:p>
             <a:fld id="{A930C18F-603F-AF40-8006-F566A6EEF7D2}" type="datetimeFigureOut">
               <a:rPr lang="en-US" smtClean="0"/>
-              <a:t>3/30/19</a:t>
+              <a:t>4/1/19</a:t>
             </a:fld>
             <a:endParaRPr lang="en-US"/>
           </a:p>
@@ -660,7 +665,7 @@
           <a:p>
             <a:fld id="{A930C18F-603F-AF40-8006-F566A6EEF7D2}" type="datetimeFigureOut">
               <a:rPr lang="en-US" smtClean="0"/>
-              <a:t>3/30/19</a:t>
+              <a:t>4/1/19</a:t>
             </a:fld>
             <a:endParaRPr lang="en-US"/>
           </a:p>
@@ -858,7 +863,7 @@
           <a:p>
             <a:fld id="{A930C18F-603F-AF40-8006-F566A6EEF7D2}" type="datetimeFigureOut">
               <a:rPr lang="en-US" smtClean="0"/>
-              <a:t>3/30/19</a:t>
+              <a:t>4/1/19</a:t>
             </a:fld>
             <a:endParaRPr lang="en-US"/>
           </a:p>
@@ -1133,7 +1138,7 @@
           <a:p>
             <a:fld id="{A930C18F-603F-AF40-8006-F566A6EEF7D2}" type="datetimeFigureOut">
               <a:rPr lang="en-US" smtClean="0"/>
-              <a:t>3/30/19</a:t>
+              <a:t>4/1/19</a:t>
             </a:fld>
             <a:endParaRPr lang="en-US"/>
           </a:p>
@@ -1398,7 +1403,7 @@
           <a:p>
             <a:fld id="{A930C18F-603F-AF40-8006-F566A6EEF7D2}" type="datetimeFigureOut">
               <a:rPr lang="en-US" smtClean="0"/>
-              <a:t>3/30/19</a:t>
+              <a:t>4/1/19</a:t>
             </a:fld>
             <a:endParaRPr lang="en-US"/>
           </a:p>
@@ -1810,7 +1815,7 @@
           <a:p>
             <a:fld id="{A930C18F-603F-AF40-8006-F566A6EEF7D2}" type="datetimeFigureOut">
               <a:rPr lang="en-US" smtClean="0"/>
-              <a:t>3/30/19</a:t>
+              <a:t>4/1/19</a:t>
             </a:fld>
             <a:endParaRPr lang="en-US"/>
           </a:p>
@@ -1951,7 +1956,7 @@
           <a:p>
             <a:fld id="{A930C18F-603F-AF40-8006-F566A6EEF7D2}" type="datetimeFigureOut">
               <a:rPr lang="en-US" smtClean="0"/>
-              <a:t>3/30/19</a:t>
+              <a:t>4/1/19</a:t>
             </a:fld>
             <a:endParaRPr lang="en-US"/>
           </a:p>
@@ -2064,7 +2069,7 @@
           <a:p>
             <a:fld id="{A930C18F-603F-AF40-8006-F566A6EEF7D2}" type="datetimeFigureOut">
               <a:rPr lang="en-US" smtClean="0"/>
-              <a:t>3/30/19</a:t>
+              <a:t>4/1/19</a:t>
             </a:fld>
             <a:endParaRPr lang="en-US"/>
           </a:p>
@@ -2375,7 +2380,7 @@
           <a:p>
             <a:fld id="{A930C18F-603F-AF40-8006-F566A6EEF7D2}" type="datetimeFigureOut">
               <a:rPr lang="en-US" smtClean="0"/>
-              <a:t>3/30/19</a:t>
+              <a:t>4/1/19</a:t>
             </a:fld>
             <a:endParaRPr lang="en-US"/>
           </a:p>
@@ -2663,7 +2668,7 @@
           <a:p>
             <a:fld id="{A930C18F-603F-AF40-8006-F566A6EEF7D2}" type="datetimeFigureOut">
               <a:rPr lang="en-US" smtClean="0"/>
-              <a:t>3/30/19</a:t>
+              <a:t>4/1/19</a:t>
             </a:fld>
             <a:endParaRPr lang="en-US"/>
           </a:p>
@@ -2904,7 +2909,7 @@
           <a:p>
             <a:fld id="{A930C18F-603F-AF40-8006-F566A6EEF7D2}" type="datetimeFigureOut">
               <a:rPr lang="en-US" smtClean="0"/>
-              <a:t>3/30/19</a:t>
+              <a:t>4/1/19</a:t>
             </a:fld>
             <a:endParaRPr lang="en-US"/>
           </a:p>
@@ -4838,7 +4843,6 @@
           <p:cNvCxnSpPr>
             <a:cxnSpLocks/>
             <a:stCxn id="84" idx="0"/>
-            <a:endCxn id="85" idx="0"/>
           </p:cNvCxnSpPr>
           <p:nvPr/>
         </p:nvCxnSpPr>
@@ -4919,84 +4923,6 @@
           </a:fontRef>
         </p:style>
       </p:cxnSp>
-      <p:sp>
-        <p:nvSpPr>
-          <p:cNvPr id="78" name="TextBox 77">
-            <a:extLst>
-              <a:ext uri="{FF2B5EF4-FFF2-40B4-BE49-F238E27FC236}">
-                <a16:creationId xmlns:a16="http://schemas.microsoft.com/office/drawing/2014/main" id="{0772AC28-6CCA-D043-ABB2-97A18FBB6317}"/>
-              </a:ext>
-            </a:extLst>
-          </p:cNvPr>
-          <p:cNvSpPr txBox="1"/>
-          <p:nvPr/>
-        </p:nvSpPr>
-        <p:spPr>
-          <a:xfrm>
-            <a:off x="7933322" y="5478876"/>
-            <a:ext cx="258404" cy="261610"/>
-          </a:xfrm>
-          <a:prstGeom prst="rect">
-            <a:avLst/>
-          </a:prstGeom>
-          <a:noFill/>
-        </p:spPr>
-        <p:txBody>
-          <a:bodyPr wrap="square" rtlCol="0">
-            <a:spAutoFit/>
-          </a:bodyPr>
-          <a:lstStyle/>
-          <a:p>
-            <a:r>
-              <a:rPr lang="en-SG" sz="1100" dirty="0">
-                <a:solidFill>
-                  <a:srgbClr val="002060"/>
-                </a:solidFill>
-              </a:rPr>
-              <a:t>X</a:t>
-            </a:r>
-          </a:p>
-        </p:txBody>
-      </p:sp>
-      <p:sp>
-        <p:nvSpPr>
-          <p:cNvPr id="85" name="TextBox 84">
-            <a:extLst>
-              <a:ext uri="{FF2B5EF4-FFF2-40B4-BE49-F238E27FC236}">
-                <a16:creationId xmlns:a16="http://schemas.microsoft.com/office/drawing/2014/main" id="{A2AA5E9C-667D-CD42-8A1D-D3C2929DECFA}"/>
-              </a:ext>
-            </a:extLst>
-          </p:cNvPr>
-          <p:cNvSpPr txBox="1"/>
-          <p:nvPr/>
-        </p:nvSpPr>
-        <p:spPr>
-          <a:xfrm>
-            <a:off x="9534410" y="5502296"/>
-            <a:ext cx="258404" cy="261610"/>
-          </a:xfrm>
-          <a:prstGeom prst="rect">
-            <a:avLst/>
-          </a:prstGeom>
-          <a:noFill/>
-        </p:spPr>
-        <p:txBody>
-          <a:bodyPr wrap="square" rtlCol="0">
-            <a:spAutoFit/>
-          </a:bodyPr>
-          <a:lstStyle/>
-          <a:p>
-            <a:r>
-              <a:rPr lang="en-SG" sz="1100" dirty="0">
-                <a:solidFill>
-                  <a:srgbClr val="002060"/>
-                </a:solidFill>
-              </a:rPr>
-              <a:t>X</a:t>
-            </a:r>
-          </a:p>
-        </p:txBody>
-      </p:sp>
       <p:cxnSp>
         <p:nvCxnSpPr>
           <p:cNvPr id="51" name="Straight Arrow Connector 50">
